--- a/report_drafts/assignment_figure.pptx
+++ b/report_drafts/assignment_figure.pptx
@@ -6,8 +6,9 @@
   </p:sldMasterIdLst>
   <p:sldIdLst>
     <p:sldId id="256" r:id="rId2"/>
-    <p:sldId id="258" r:id="rId3"/>
-    <p:sldId id="257" r:id="rId4"/>
+    <p:sldId id="259" r:id="rId3"/>
+    <p:sldId id="258" r:id="rId4"/>
+    <p:sldId id="257" r:id="rId5"/>
   </p:sldIdLst>
   <p:sldSz cx="12192000" cy="6858000"/>
   <p:notesSz cx="6858000" cy="9144000"/>
@@ -261,7 +262,7 @@
           <a:p>
             <a:fld id="{571909C2-24AB-1D44-AF6A-D1DBA062D7A3}" type="datetimeFigureOut">
               <a:rPr lang="en-US" smtClean="0"/>
-              <a:t>10/17/22</a:t>
+              <a:t>11/10/22</a:t>
             </a:fld>
             <a:endParaRPr lang="en-US"/>
           </a:p>
@@ -459,7 +460,7 @@
           <a:p>
             <a:fld id="{571909C2-24AB-1D44-AF6A-D1DBA062D7A3}" type="datetimeFigureOut">
               <a:rPr lang="en-US" smtClean="0"/>
-              <a:t>10/17/22</a:t>
+              <a:t>11/10/22</a:t>
             </a:fld>
             <a:endParaRPr lang="en-US"/>
           </a:p>
@@ -667,7 +668,7 @@
           <a:p>
             <a:fld id="{571909C2-24AB-1D44-AF6A-D1DBA062D7A3}" type="datetimeFigureOut">
               <a:rPr lang="en-US" smtClean="0"/>
-              <a:t>10/17/22</a:t>
+              <a:t>11/10/22</a:t>
             </a:fld>
             <a:endParaRPr lang="en-US"/>
           </a:p>
@@ -865,7 +866,7 @@
           <a:p>
             <a:fld id="{571909C2-24AB-1D44-AF6A-D1DBA062D7A3}" type="datetimeFigureOut">
               <a:rPr lang="en-US" smtClean="0"/>
-              <a:t>10/17/22</a:t>
+              <a:t>11/10/22</a:t>
             </a:fld>
             <a:endParaRPr lang="en-US"/>
           </a:p>
@@ -1140,7 +1141,7 @@
           <a:p>
             <a:fld id="{571909C2-24AB-1D44-AF6A-D1DBA062D7A3}" type="datetimeFigureOut">
               <a:rPr lang="en-US" smtClean="0"/>
-              <a:t>10/17/22</a:t>
+              <a:t>11/10/22</a:t>
             </a:fld>
             <a:endParaRPr lang="en-US"/>
           </a:p>
@@ -1405,7 +1406,7 @@
           <a:p>
             <a:fld id="{571909C2-24AB-1D44-AF6A-D1DBA062D7A3}" type="datetimeFigureOut">
               <a:rPr lang="en-US" smtClean="0"/>
-              <a:t>10/17/22</a:t>
+              <a:t>11/10/22</a:t>
             </a:fld>
             <a:endParaRPr lang="en-US"/>
           </a:p>
@@ -1817,7 +1818,7 @@
           <a:p>
             <a:fld id="{571909C2-24AB-1D44-AF6A-D1DBA062D7A3}" type="datetimeFigureOut">
               <a:rPr lang="en-US" smtClean="0"/>
-              <a:t>10/17/22</a:t>
+              <a:t>11/10/22</a:t>
             </a:fld>
             <a:endParaRPr lang="en-US"/>
           </a:p>
@@ -1958,7 +1959,7 @@
           <a:p>
             <a:fld id="{571909C2-24AB-1D44-AF6A-D1DBA062D7A3}" type="datetimeFigureOut">
               <a:rPr lang="en-US" smtClean="0"/>
-              <a:t>10/17/22</a:t>
+              <a:t>11/10/22</a:t>
             </a:fld>
             <a:endParaRPr lang="en-US"/>
           </a:p>
@@ -2071,7 +2072,7 @@
           <a:p>
             <a:fld id="{571909C2-24AB-1D44-AF6A-D1DBA062D7A3}" type="datetimeFigureOut">
               <a:rPr lang="en-US" smtClean="0"/>
-              <a:t>10/17/22</a:t>
+              <a:t>11/10/22</a:t>
             </a:fld>
             <a:endParaRPr lang="en-US"/>
           </a:p>
@@ -2382,7 +2383,7 @@
           <a:p>
             <a:fld id="{571909C2-24AB-1D44-AF6A-D1DBA062D7A3}" type="datetimeFigureOut">
               <a:rPr lang="en-US" smtClean="0"/>
-              <a:t>10/17/22</a:t>
+              <a:t>11/10/22</a:t>
             </a:fld>
             <a:endParaRPr lang="en-US"/>
           </a:p>
@@ -2670,7 +2671,7 @@
           <a:p>
             <a:fld id="{571909C2-24AB-1D44-AF6A-D1DBA062D7A3}" type="datetimeFigureOut">
               <a:rPr lang="en-US" smtClean="0"/>
-              <a:t>10/17/22</a:t>
+              <a:t>11/10/22</a:t>
             </a:fld>
             <a:endParaRPr lang="en-US"/>
           </a:p>
@@ -2911,7 +2912,7 @@
           <a:p>
             <a:fld id="{571909C2-24AB-1D44-AF6A-D1DBA062D7A3}" type="datetimeFigureOut">
               <a:rPr lang="en-US" smtClean="0"/>
-              <a:t>10/17/22</a:t>
+              <a:t>11/10/22</a:t>
             </a:fld>
             <a:endParaRPr lang="en-US"/>
           </a:p>
@@ -6449,8 +6450,8 @@
         </p:nvSpPr>
         <p:spPr>
           <a:xfrm>
-            <a:off x="9718484" y="87555"/>
-            <a:ext cx="1229824" cy="646331"/>
+            <a:off x="9842332" y="87555"/>
+            <a:ext cx="982128" cy="646331"/>
           </a:xfrm>
           <a:prstGeom prst="rect">
             <a:avLst/>
@@ -6473,7 +6474,7 @@
             <a:pPr algn="ctr"/>
             <a:r>
               <a:rPr lang="en-US" u="sng" dirty="0"/>
-              <a:t>Disposition</a:t>
+              <a:t>Location</a:t>
             </a:r>
           </a:p>
         </p:txBody>
@@ -7440,7 +7441,7 @@
         </p:nvSpPr>
         <p:spPr>
           <a:xfrm>
-            <a:off x="690005" y="4094685"/>
+            <a:off x="704995" y="4094685"/>
             <a:ext cx="458780" cy="307777"/>
           </a:xfrm>
           <a:prstGeom prst="rect">
@@ -7457,7 +7458,7 @@
             <a:pPr algn="ctr"/>
             <a:r>
               <a:rPr lang="en-US" sz="1400" dirty="0"/>
-              <a:t>745</a:t>
+              <a:t>873</a:t>
             </a:r>
           </a:p>
         </p:txBody>
@@ -9056,6 +9057,4401 @@
 </file>
 
 <file path=ppt/slides/slide2.xml><?xml version="1.0" encoding="utf-8"?>
+<p:sld xmlns:a="http://schemas.openxmlformats.org/drawingml/2006/main" xmlns:r="http://schemas.openxmlformats.org/officeDocument/2006/relationships" xmlns:p="http://schemas.openxmlformats.org/presentationml/2006/main">
+  <p:cSld>
+    <p:spTree>
+      <p:nvGrpSpPr>
+        <p:cNvPr id="1" name=""/>
+        <p:cNvGrpSpPr/>
+        <p:nvPr/>
+      </p:nvGrpSpPr>
+      <p:grpSpPr>
+        <a:xfrm>
+          <a:off x="0" y="0"/>
+          <a:ext cx="0" cy="0"/>
+          <a:chOff x="0" y="0"/>
+          <a:chExt cx="0" cy="0"/>
+        </a:xfrm>
+      </p:grpSpPr>
+      <p:sp>
+        <p:nvSpPr>
+          <p:cNvPr id="4" name="Oval 3">
+            <a:extLst>
+              <a:ext uri="{FF2B5EF4-FFF2-40B4-BE49-F238E27FC236}">
+                <a16:creationId xmlns:a16="http://schemas.microsoft.com/office/drawing/2014/main" id="{5C9EB51A-4B09-8948-BEA0-76879339EF63}"/>
+              </a:ext>
+            </a:extLst>
+          </p:cNvPr>
+          <p:cNvSpPr/>
+          <p:nvPr/>
+        </p:nvSpPr>
+        <p:spPr>
+          <a:xfrm>
+            <a:off x="174395" y="4029395"/>
+            <a:ext cx="431321" cy="431321"/>
+          </a:xfrm>
+          <a:prstGeom prst="ellipse">
+            <a:avLst/>
+          </a:prstGeom>
+          <a:noFill/>
+          <a:ln w="28575">
+            <a:solidFill>
+              <a:schemeClr val="accent4"/>
+            </a:solidFill>
+          </a:ln>
+        </p:spPr>
+        <p:style>
+          <a:lnRef idx="2">
+            <a:schemeClr val="accent6"/>
+          </a:lnRef>
+          <a:fillRef idx="1">
+            <a:schemeClr val="lt1"/>
+          </a:fillRef>
+          <a:effectRef idx="0">
+            <a:schemeClr val="accent6"/>
+          </a:effectRef>
+          <a:fontRef idx="minor">
+            <a:schemeClr val="dk1"/>
+          </a:fontRef>
+        </p:style>
+        <p:txBody>
+          <a:bodyPr rtlCol="0" anchor="ctr"/>
+          <a:lstStyle/>
+          <a:p>
+            <a:pPr algn="ctr"/>
+            <a:endParaRPr lang="en-US"/>
+          </a:p>
+        </p:txBody>
+      </p:sp>
+      <p:sp>
+        <p:nvSpPr>
+          <p:cNvPr id="5" name="Oval 4">
+            <a:extLst>
+              <a:ext uri="{FF2B5EF4-FFF2-40B4-BE49-F238E27FC236}">
+                <a16:creationId xmlns:a16="http://schemas.microsoft.com/office/drawing/2014/main" id="{037F0BC9-F92B-DC43-89DD-1A7EB1B3E133}"/>
+              </a:ext>
+            </a:extLst>
+          </p:cNvPr>
+          <p:cNvSpPr/>
+          <p:nvPr/>
+        </p:nvSpPr>
+        <p:spPr>
+          <a:xfrm>
+            <a:off x="719831" y="4029395"/>
+            <a:ext cx="431321" cy="431321"/>
+          </a:xfrm>
+          <a:prstGeom prst="ellipse">
+            <a:avLst/>
+          </a:prstGeom>
+          <a:noFill/>
+          <a:ln w="28575">
+            <a:solidFill>
+              <a:schemeClr val="accent4"/>
+            </a:solidFill>
+          </a:ln>
+        </p:spPr>
+        <p:style>
+          <a:lnRef idx="2">
+            <a:schemeClr val="accent6"/>
+          </a:lnRef>
+          <a:fillRef idx="1">
+            <a:schemeClr val="lt1"/>
+          </a:fillRef>
+          <a:effectRef idx="0">
+            <a:schemeClr val="accent6"/>
+          </a:effectRef>
+          <a:fontRef idx="minor">
+            <a:schemeClr val="dk1"/>
+          </a:fontRef>
+        </p:style>
+        <p:txBody>
+          <a:bodyPr rtlCol="0" anchor="ctr"/>
+          <a:lstStyle/>
+          <a:p>
+            <a:pPr algn="ctr"/>
+            <a:endParaRPr lang="en-US"/>
+          </a:p>
+        </p:txBody>
+      </p:sp>
+      <p:sp>
+        <p:nvSpPr>
+          <p:cNvPr id="6" name="Oval 5">
+            <a:extLst>
+              <a:ext uri="{FF2B5EF4-FFF2-40B4-BE49-F238E27FC236}">
+                <a16:creationId xmlns:a16="http://schemas.microsoft.com/office/drawing/2014/main" id="{E3ACE107-063F-C741-9FA3-8C150A082AF7}"/>
+              </a:ext>
+            </a:extLst>
+          </p:cNvPr>
+          <p:cNvSpPr/>
+          <p:nvPr/>
+        </p:nvSpPr>
+        <p:spPr>
+          <a:xfrm>
+            <a:off x="1265267" y="4029395"/>
+            <a:ext cx="431321" cy="431321"/>
+          </a:xfrm>
+          <a:prstGeom prst="ellipse">
+            <a:avLst/>
+          </a:prstGeom>
+          <a:noFill/>
+          <a:ln w="28575">
+            <a:solidFill>
+              <a:schemeClr val="accent4"/>
+            </a:solidFill>
+          </a:ln>
+        </p:spPr>
+        <p:style>
+          <a:lnRef idx="2">
+            <a:schemeClr val="accent6"/>
+          </a:lnRef>
+          <a:fillRef idx="1">
+            <a:schemeClr val="lt1"/>
+          </a:fillRef>
+          <a:effectRef idx="0">
+            <a:schemeClr val="accent6"/>
+          </a:effectRef>
+          <a:fontRef idx="minor">
+            <a:schemeClr val="dk1"/>
+          </a:fontRef>
+        </p:style>
+        <p:txBody>
+          <a:bodyPr rtlCol="0" anchor="ctr"/>
+          <a:lstStyle/>
+          <a:p>
+            <a:pPr algn="ctr"/>
+            <a:endParaRPr lang="en-US"/>
+          </a:p>
+        </p:txBody>
+      </p:sp>
+      <p:sp>
+        <p:nvSpPr>
+          <p:cNvPr id="7" name="Oval 6">
+            <a:extLst>
+              <a:ext uri="{FF2B5EF4-FFF2-40B4-BE49-F238E27FC236}">
+                <a16:creationId xmlns:a16="http://schemas.microsoft.com/office/drawing/2014/main" id="{F18F6094-B860-7B4D-826C-DCB597552066}"/>
+              </a:ext>
+            </a:extLst>
+          </p:cNvPr>
+          <p:cNvSpPr/>
+          <p:nvPr/>
+        </p:nvSpPr>
+        <p:spPr>
+          <a:xfrm>
+            <a:off x="1810703" y="4029395"/>
+            <a:ext cx="431321" cy="431321"/>
+          </a:xfrm>
+          <a:prstGeom prst="ellipse">
+            <a:avLst/>
+          </a:prstGeom>
+          <a:noFill/>
+          <a:ln w="28575">
+            <a:solidFill>
+              <a:schemeClr val="accent4"/>
+            </a:solidFill>
+          </a:ln>
+        </p:spPr>
+        <p:style>
+          <a:lnRef idx="2">
+            <a:schemeClr val="accent6"/>
+          </a:lnRef>
+          <a:fillRef idx="1">
+            <a:schemeClr val="lt1"/>
+          </a:fillRef>
+          <a:effectRef idx="0">
+            <a:schemeClr val="accent6"/>
+          </a:effectRef>
+          <a:fontRef idx="minor">
+            <a:schemeClr val="dk1"/>
+          </a:fontRef>
+        </p:style>
+        <p:txBody>
+          <a:bodyPr rtlCol="0" anchor="ctr"/>
+          <a:lstStyle/>
+          <a:p>
+            <a:pPr algn="ctr"/>
+            <a:endParaRPr lang="en-US"/>
+          </a:p>
+        </p:txBody>
+      </p:sp>
+      <p:sp>
+        <p:nvSpPr>
+          <p:cNvPr id="8" name="Oval 7">
+            <a:extLst>
+              <a:ext uri="{FF2B5EF4-FFF2-40B4-BE49-F238E27FC236}">
+                <a16:creationId xmlns:a16="http://schemas.microsoft.com/office/drawing/2014/main" id="{A325A6A8-BA32-0347-8C05-E04EA0D8DA84}"/>
+              </a:ext>
+            </a:extLst>
+          </p:cNvPr>
+          <p:cNvSpPr/>
+          <p:nvPr/>
+        </p:nvSpPr>
+        <p:spPr>
+          <a:xfrm>
+            <a:off x="2356139" y="4029395"/>
+            <a:ext cx="431321" cy="431321"/>
+          </a:xfrm>
+          <a:prstGeom prst="ellipse">
+            <a:avLst/>
+          </a:prstGeom>
+          <a:noFill/>
+          <a:ln w="28575">
+            <a:solidFill>
+              <a:schemeClr val="accent4"/>
+            </a:solidFill>
+          </a:ln>
+        </p:spPr>
+        <p:style>
+          <a:lnRef idx="2">
+            <a:schemeClr val="accent6"/>
+          </a:lnRef>
+          <a:fillRef idx="1">
+            <a:schemeClr val="lt1"/>
+          </a:fillRef>
+          <a:effectRef idx="0">
+            <a:schemeClr val="accent6"/>
+          </a:effectRef>
+          <a:fontRef idx="minor">
+            <a:schemeClr val="dk1"/>
+          </a:fontRef>
+        </p:style>
+        <p:txBody>
+          <a:bodyPr rtlCol="0" anchor="ctr"/>
+          <a:lstStyle/>
+          <a:p>
+            <a:pPr algn="ctr"/>
+            <a:endParaRPr lang="en-US"/>
+          </a:p>
+        </p:txBody>
+      </p:sp>
+      <p:sp>
+        <p:nvSpPr>
+          <p:cNvPr id="9" name="Oval 8">
+            <a:extLst>
+              <a:ext uri="{FF2B5EF4-FFF2-40B4-BE49-F238E27FC236}">
+                <a16:creationId xmlns:a16="http://schemas.microsoft.com/office/drawing/2014/main" id="{DF8E77E8-E141-3543-9F45-20D69E9B4462}"/>
+              </a:ext>
+            </a:extLst>
+          </p:cNvPr>
+          <p:cNvSpPr/>
+          <p:nvPr/>
+        </p:nvSpPr>
+        <p:spPr>
+          <a:xfrm>
+            <a:off x="2901575" y="4029395"/>
+            <a:ext cx="431321" cy="431321"/>
+          </a:xfrm>
+          <a:prstGeom prst="ellipse">
+            <a:avLst/>
+          </a:prstGeom>
+          <a:noFill/>
+          <a:ln w="28575">
+            <a:solidFill>
+              <a:schemeClr val="accent4"/>
+            </a:solidFill>
+          </a:ln>
+        </p:spPr>
+        <p:style>
+          <a:lnRef idx="2">
+            <a:schemeClr val="accent6"/>
+          </a:lnRef>
+          <a:fillRef idx="1">
+            <a:schemeClr val="lt1"/>
+          </a:fillRef>
+          <a:effectRef idx="0">
+            <a:schemeClr val="accent6"/>
+          </a:effectRef>
+          <a:fontRef idx="minor">
+            <a:schemeClr val="dk1"/>
+          </a:fontRef>
+        </p:style>
+        <p:txBody>
+          <a:bodyPr rtlCol="0" anchor="ctr"/>
+          <a:lstStyle/>
+          <a:p>
+            <a:pPr algn="ctr"/>
+            <a:endParaRPr lang="en-US"/>
+          </a:p>
+        </p:txBody>
+      </p:sp>
+      <p:sp>
+        <p:nvSpPr>
+          <p:cNvPr id="10" name="Oval 9">
+            <a:extLst>
+              <a:ext uri="{FF2B5EF4-FFF2-40B4-BE49-F238E27FC236}">
+                <a16:creationId xmlns:a16="http://schemas.microsoft.com/office/drawing/2014/main" id="{470D455E-E650-784A-BE91-F2C9473DCE83}"/>
+              </a:ext>
+            </a:extLst>
+          </p:cNvPr>
+          <p:cNvSpPr/>
+          <p:nvPr/>
+        </p:nvSpPr>
+        <p:spPr>
+          <a:xfrm>
+            <a:off x="3447011" y="4029395"/>
+            <a:ext cx="431321" cy="431321"/>
+          </a:xfrm>
+          <a:prstGeom prst="ellipse">
+            <a:avLst/>
+          </a:prstGeom>
+          <a:noFill/>
+          <a:ln w="28575">
+            <a:solidFill>
+              <a:schemeClr val="accent4"/>
+            </a:solidFill>
+          </a:ln>
+        </p:spPr>
+        <p:style>
+          <a:lnRef idx="2">
+            <a:schemeClr val="accent6"/>
+          </a:lnRef>
+          <a:fillRef idx="1">
+            <a:schemeClr val="lt1"/>
+          </a:fillRef>
+          <a:effectRef idx="0">
+            <a:schemeClr val="accent6"/>
+          </a:effectRef>
+          <a:fontRef idx="minor">
+            <a:schemeClr val="dk1"/>
+          </a:fontRef>
+        </p:style>
+        <p:txBody>
+          <a:bodyPr rtlCol="0" anchor="ctr"/>
+          <a:lstStyle/>
+          <a:p>
+            <a:pPr algn="ctr"/>
+            <a:endParaRPr lang="en-US"/>
+          </a:p>
+        </p:txBody>
+      </p:sp>
+      <p:sp>
+        <p:nvSpPr>
+          <p:cNvPr id="11" name="Oval 10">
+            <a:extLst>
+              <a:ext uri="{FF2B5EF4-FFF2-40B4-BE49-F238E27FC236}">
+                <a16:creationId xmlns:a16="http://schemas.microsoft.com/office/drawing/2014/main" id="{D3AD13B3-0F4F-D643-898B-4F49F98569DA}"/>
+              </a:ext>
+            </a:extLst>
+          </p:cNvPr>
+          <p:cNvSpPr/>
+          <p:nvPr/>
+        </p:nvSpPr>
+        <p:spPr>
+          <a:xfrm>
+            <a:off x="3992447" y="4029395"/>
+            <a:ext cx="431321" cy="431321"/>
+          </a:xfrm>
+          <a:prstGeom prst="ellipse">
+            <a:avLst/>
+          </a:prstGeom>
+          <a:noFill/>
+          <a:ln w="28575">
+            <a:solidFill>
+              <a:schemeClr val="accent4"/>
+            </a:solidFill>
+          </a:ln>
+        </p:spPr>
+        <p:style>
+          <a:lnRef idx="2">
+            <a:schemeClr val="accent6"/>
+          </a:lnRef>
+          <a:fillRef idx="1">
+            <a:schemeClr val="lt1"/>
+          </a:fillRef>
+          <a:effectRef idx="0">
+            <a:schemeClr val="accent6"/>
+          </a:effectRef>
+          <a:fontRef idx="minor">
+            <a:schemeClr val="dk1"/>
+          </a:fontRef>
+        </p:style>
+        <p:txBody>
+          <a:bodyPr rtlCol="0" anchor="ctr"/>
+          <a:lstStyle/>
+          <a:p>
+            <a:pPr algn="ctr"/>
+            <a:endParaRPr lang="en-US"/>
+          </a:p>
+        </p:txBody>
+      </p:sp>
+      <p:sp>
+        <p:nvSpPr>
+          <p:cNvPr id="12" name="Oval 11">
+            <a:extLst>
+              <a:ext uri="{FF2B5EF4-FFF2-40B4-BE49-F238E27FC236}">
+                <a16:creationId xmlns:a16="http://schemas.microsoft.com/office/drawing/2014/main" id="{5F21B81E-3825-7E49-86E0-5768C3EA5AA4}"/>
+              </a:ext>
+            </a:extLst>
+          </p:cNvPr>
+          <p:cNvSpPr/>
+          <p:nvPr/>
+        </p:nvSpPr>
+        <p:spPr>
+          <a:xfrm>
+            <a:off x="4537883" y="4029395"/>
+            <a:ext cx="431321" cy="431321"/>
+          </a:xfrm>
+          <a:prstGeom prst="ellipse">
+            <a:avLst/>
+          </a:prstGeom>
+          <a:noFill/>
+          <a:ln w="28575">
+            <a:solidFill>
+              <a:schemeClr val="accent4"/>
+            </a:solidFill>
+          </a:ln>
+        </p:spPr>
+        <p:style>
+          <a:lnRef idx="2">
+            <a:schemeClr val="accent6"/>
+          </a:lnRef>
+          <a:fillRef idx="1">
+            <a:schemeClr val="lt1"/>
+          </a:fillRef>
+          <a:effectRef idx="0">
+            <a:schemeClr val="accent6"/>
+          </a:effectRef>
+          <a:fontRef idx="minor">
+            <a:schemeClr val="dk1"/>
+          </a:fontRef>
+        </p:style>
+        <p:txBody>
+          <a:bodyPr rtlCol="0" anchor="ctr"/>
+          <a:lstStyle/>
+          <a:p>
+            <a:pPr algn="ctr"/>
+            <a:endParaRPr lang="en-US"/>
+          </a:p>
+        </p:txBody>
+      </p:sp>
+      <p:sp>
+        <p:nvSpPr>
+          <p:cNvPr id="13" name="Oval 12">
+            <a:extLst>
+              <a:ext uri="{FF2B5EF4-FFF2-40B4-BE49-F238E27FC236}">
+                <a16:creationId xmlns:a16="http://schemas.microsoft.com/office/drawing/2014/main" id="{91C8FBD9-86E3-704E-8354-90B489EDBF71}"/>
+              </a:ext>
+            </a:extLst>
+          </p:cNvPr>
+          <p:cNvSpPr/>
+          <p:nvPr/>
+        </p:nvSpPr>
+        <p:spPr>
+          <a:xfrm>
+            <a:off x="5083319" y="4029395"/>
+            <a:ext cx="431321" cy="431321"/>
+          </a:xfrm>
+          <a:prstGeom prst="ellipse">
+            <a:avLst/>
+          </a:prstGeom>
+          <a:noFill/>
+          <a:ln w="28575">
+            <a:solidFill>
+              <a:schemeClr val="accent4"/>
+            </a:solidFill>
+          </a:ln>
+        </p:spPr>
+        <p:style>
+          <a:lnRef idx="2">
+            <a:schemeClr val="accent6"/>
+          </a:lnRef>
+          <a:fillRef idx="1">
+            <a:schemeClr val="lt1"/>
+          </a:fillRef>
+          <a:effectRef idx="0">
+            <a:schemeClr val="accent6"/>
+          </a:effectRef>
+          <a:fontRef idx="minor">
+            <a:schemeClr val="dk1"/>
+          </a:fontRef>
+        </p:style>
+        <p:txBody>
+          <a:bodyPr rtlCol="0" anchor="ctr"/>
+          <a:lstStyle/>
+          <a:p>
+            <a:pPr algn="ctr"/>
+            <a:endParaRPr lang="en-US"/>
+          </a:p>
+        </p:txBody>
+      </p:sp>
+      <p:sp>
+        <p:nvSpPr>
+          <p:cNvPr id="14" name="Oval 13">
+            <a:extLst>
+              <a:ext uri="{FF2B5EF4-FFF2-40B4-BE49-F238E27FC236}">
+                <a16:creationId xmlns:a16="http://schemas.microsoft.com/office/drawing/2014/main" id="{8C4DA68F-E954-7444-803C-DC8A859A43A4}"/>
+              </a:ext>
+            </a:extLst>
+          </p:cNvPr>
+          <p:cNvSpPr/>
+          <p:nvPr/>
+        </p:nvSpPr>
+        <p:spPr>
+          <a:xfrm>
+            <a:off x="5628755" y="4029395"/>
+            <a:ext cx="431321" cy="431321"/>
+          </a:xfrm>
+          <a:prstGeom prst="ellipse">
+            <a:avLst/>
+          </a:prstGeom>
+          <a:noFill/>
+          <a:ln w="28575">
+            <a:solidFill>
+              <a:schemeClr val="accent4"/>
+            </a:solidFill>
+          </a:ln>
+        </p:spPr>
+        <p:style>
+          <a:lnRef idx="2">
+            <a:schemeClr val="accent6"/>
+          </a:lnRef>
+          <a:fillRef idx="1">
+            <a:schemeClr val="lt1"/>
+          </a:fillRef>
+          <a:effectRef idx="0">
+            <a:schemeClr val="accent6"/>
+          </a:effectRef>
+          <a:fontRef idx="minor">
+            <a:schemeClr val="dk1"/>
+          </a:fontRef>
+        </p:style>
+        <p:txBody>
+          <a:bodyPr rtlCol="0" anchor="ctr"/>
+          <a:lstStyle/>
+          <a:p>
+            <a:pPr algn="ctr"/>
+            <a:endParaRPr lang="en-US"/>
+          </a:p>
+        </p:txBody>
+      </p:sp>
+      <p:sp>
+        <p:nvSpPr>
+          <p:cNvPr id="21" name="Oval 20">
+            <a:extLst>
+              <a:ext uri="{FF2B5EF4-FFF2-40B4-BE49-F238E27FC236}">
+                <a16:creationId xmlns:a16="http://schemas.microsoft.com/office/drawing/2014/main" id="{2316E129-2B2D-3C43-B54A-6DF1A257C68B}"/>
+              </a:ext>
+            </a:extLst>
+          </p:cNvPr>
+          <p:cNvSpPr/>
+          <p:nvPr/>
+        </p:nvSpPr>
+        <p:spPr>
+          <a:xfrm>
+            <a:off x="1810703" y="2077329"/>
+            <a:ext cx="431321" cy="431321"/>
+          </a:xfrm>
+          <a:prstGeom prst="ellipse">
+            <a:avLst/>
+          </a:prstGeom>
+          <a:ln w="28575">
+            <a:solidFill>
+              <a:schemeClr val="accent2"/>
+            </a:solidFill>
+          </a:ln>
+        </p:spPr>
+        <p:style>
+          <a:lnRef idx="2">
+            <a:schemeClr val="accent6"/>
+          </a:lnRef>
+          <a:fillRef idx="1">
+            <a:schemeClr val="lt1"/>
+          </a:fillRef>
+          <a:effectRef idx="0">
+            <a:schemeClr val="accent6"/>
+          </a:effectRef>
+          <a:fontRef idx="minor">
+            <a:schemeClr val="dk1"/>
+          </a:fontRef>
+        </p:style>
+        <p:txBody>
+          <a:bodyPr rtlCol="0" anchor="ctr"/>
+          <a:lstStyle/>
+          <a:p>
+            <a:pPr algn="ctr"/>
+            <a:endParaRPr lang="en-US"/>
+          </a:p>
+        </p:txBody>
+      </p:sp>
+      <p:sp>
+        <p:nvSpPr>
+          <p:cNvPr id="22" name="Oval 21">
+            <a:extLst>
+              <a:ext uri="{FF2B5EF4-FFF2-40B4-BE49-F238E27FC236}">
+                <a16:creationId xmlns:a16="http://schemas.microsoft.com/office/drawing/2014/main" id="{7E1F697A-5E2E-4449-BF87-70BA2832F0B3}"/>
+              </a:ext>
+            </a:extLst>
+          </p:cNvPr>
+          <p:cNvSpPr/>
+          <p:nvPr/>
+        </p:nvSpPr>
+        <p:spPr>
+          <a:xfrm>
+            <a:off x="2356139" y="2077329"/>
+            <a:ext cx="431321" cy="431321"/>
+          </a:xfrm>
+          <a:prstGeom prst="ellipse">
+            <a:avLst/>
+          </a:prstGeom>
+          <a:ln w="28575">
+            <a:solidFill>
+              <a:schemeClr val="accent2"/>
+            </a:solidFill>
+          </a:ln>
+        </p:spPr>
+        <p:style>
+          <a:lnRef idx="2">
+            <a:schemeClr val="accent6"/>
+          </a:lnRef>
+          <a:fillRef idx="1">
+            <a:schemeClr val="lt1"/>
+          </a:fillRef>
+          <a:effectRef idx="0">
+            <a:schemeClr val="accent6"/>
+          </a:effectRef>
+          <a:fontRef idx="minor">
+            <a:schemeClr val="dk1"/>
+          </a:fontRef>
+        </p:style>
+        <p:txBody>
+          <a:bodyPr rtlCol="0" anchor="ctr"/>
+          <a:lstStyle/>
+          <a:p>
+            <a:pPr algn="ctr"/>
+            <a:endParaRPr lang="en-US"/>
+          </a:p>
+        </p:txBody>
+      </p:sp>
+      <p:sp>
+        <p:nvSpPr>
+          <p:cNvPr id="23" name="Oval 22">
+            <a:extLst>
+              <a:ext uri="{FF2B5EF4-FFF2-40B4-BE49-F238E27FC236}">
+                <a16:creationId xmlns:a16="http://schemas.microsoft.com/office/drawing/2014/main" id="{BC942ADD-2D32-9141-9D40-FF3D64E29EDF}"/>
+              </a:ext>
+            </a:extLst>
+          </p:cNvPr>
+          <p:cNvSpPr/>
+          <p:nvPr/>
+        </p:nvSpPr>
+        <p:spPr>
+          <a:xfrm>
+            <a:off x="2901575" y="2077329"/>
+            <a:ext cx="431321" cy="431321"/>
+          </a:xfrm>
+          <a:prstGeom prst="ellipse">
+            <a:avLst/>
+          </a:prstGeom>
+          <a:ln w="28575">
+            <a:solidFill>
+              <a:schemeClr val="accent2"/>
+            </a:solidFill>
+          </a:ln>
+        </p:spPr>
+        <p:style>
+          <a:lnRef idx="2">
+            <a:schemeClr val="accent6"/>
+          </a:lnRef>
+          <a:fillRef idx="1">
+            <a:schemeClr val="lt1"/>
+          </a:fillRef>
+          <a:effectRef idx="0">
+            <a:schemeClr val="accent6"/>
+          </a:effectRef>
+          <a:fontRef idx="minor">
+            <a:schemeClr val="dk1"/>
+          </a:fontRef>
+        </p:style>
+        <p:txBody>
+          <a:bodyPr rtlCol="0" anchor="ctr"/>
+          <a:lstStyle/>
+          <a:p>
+            <a:pPr algn="ctr"/>
+            <a:endParaRPr lang="en-US"/>
+          </a:p>
+        </p:txBody>
+      </p:sp>
+      <p:sp>
+        <p:nvSpPr>
+          <p:cNvPr id="24" name="Oval 23">
+            <a:extLst>
+              <a:ext uri="{FF2B5EF4-FFF2-40B4-BE49-F238E27FC236}">
+                <a16:creationId xmlns:a16="http://schemas.microsoft.com/office/drawing/2014/main" id="{9E3B922A-05F0-AB4B-804E-11E16F43573C}"/>
+              </a:ext>
+            </a:extLst>
+          </p:cNvPr>
+          <p:cNvSpPr/>
+          <p:nvPr/>
+        </p:nvSpPr>
+        <p:spPr>
+          <a:xfrm>
+            <a:off x="3447011" y="2077329"/>
+            <a:ext cx="431321" cy="431321"/>
+          </a:xfrm>
+          <a:prstGeom prst="ellipse">
+            <a:avLst/>
+          </a:prstGeom>
+          <a:ln w="28575">
+            <a:solidFill>
+              <a:schemeClr val="accent2"/>
+            </a:solidFill>
+          </a:ln>
+        </p:spPr>
+        <p:style>
+          <a:lnRef idx="2">
+            <a:schemeClr val="accent6"/>
+          </a:lnRef>
+          <a:fillRef idx="1">
+            <a:schemeClr val="lt1"/>
+          </a:fillRef>
+          <a:effectRef idx="0">
+            <a:schemeClr val="accent6"/>
+          </a:effectRef>
+          <a:fontRef idx="minor">
+            <a:schemeClr val="dk1"/>
+          </a:fontRef>
+        </p:style>
+        <p:txBody>
+          <a:bodyPr rtlCol="0" anchor="ctr"/>
+          <a:lstStyle/>
+          <a:p>
+            <a:pPr algn="ctr"/>
+            <a:endParaRPr lang="en-US"/>
+          </a:p>
+        </p:txBody>
+      </p:sp>
+      <p:sp>
+        <p:nvSpPr>
+          <p:cNvPr id="25" name="Oval 24">
+            <a:extLst>
+              <a:ext uri="{FF2B5EF4-FFF2-40B4-BE49-F238E27FC236}">
+                <a16:creationId xmlns:a16="http://schemas.microsoft.com/office/drawing/2014/main" id="{DDF04C8E-22D0-2C4D-9895-A506187ABB16}"/>
+              </a:ext>
+            </a:extLst>
+          </p:cNvPr>
+          <p:cNvSpPr/>
+          <p:nvPr/>
+        </p:nvSpPr>
+        <p:spPr>
+          <a:xfrm>
+            <a:off x="3992447" y="2077329"/>
+            <a:ext cx="431321" cy="431321"/>
+          </a:xfrm>
+          <a:prstGeom prst="ellipse">
+            <a:avLst/>
+          </a:prstGeom>
+          <a:ln w="28575">
+            <a:solidFill>
+              <a:schemeClr val="accent2"/>
+            </a:solidFill>
+          </a:ln>
+        </p:spPr>
+        <p:style>
+          <a:lnRef idx="2">
+            <a:schemeClr val="accent6"/>
+          </a:lnRef>
+          <a:fillRef idx="1">
+            <a:schemeClr val="lt1"/>
+          </a:fillRef>
+          <a:effectRef idx="0">
+            <a:schemeClr val="accent6"/>
+          </a:effectRef>
+          <a:fontRef idx="minor">
+            <a:schemeClr val="dk1"/>
+          </a:fontRef>
+        </p:style>
+        <p:txBody>
+          <a:bodyPr rtlCol="0" anchor="ctr"/>
+          <a:lstStyle/>
+          <a:p>
+            <a:pPr algn="ctr"/>
+            <a:endParaRPr lang="en-US"/>
+          </a:p>
+        </p:txBody>
+      </p:sp>
+      <p:sp>
+        <p:nvSpPr>
+          <p:cNvPr id="26" name="Oval 25">
+            <a:extLst>
+              <a:ext uri="{FF2B5EF4-FFF2-40B4-BE49-F238E27FC236}">
+                <a16:creationId xmlns:a16="http://schemas.microsoft.com/office/drawing/2014/main" id="{EDC59B5A-3817-0141-B3A4-F106113AA323}"/>
+              </a:ext>
+            </a:extLst>
+          </p:cNvPr>
+          <p:cNvSpPr/>
+          <p:nvPr/>
+        </p:nvSpPr>
+        <p:spPr>
+          <a:xfrm>
+            <a:off x="4537883" y="2077329"/>
+            <a:ext cx="431321" cy="431321"/>
+          </a:xfrm>
+          <a:prstGeom prst="ellipse">
+            <a:avLst/>
+          </a:prstGeom>
+          <a:ln w="28575">
+            <a:solidFill>
+              <a:schemeClr val="accent2"/>
+            </a:solidFill>
+          </a:ln>
+        </p:spPr>
+        <p:style>
+          <a:lnRef idx="2">
+            <a:schemeClr val="accent6"/>
+          </a:lnRef>
+          <a:fillRef idx="1">
+            <a:schemeClr val="lt1"/>
+          </a:fillRef>
+          <a:effectRef idx="0">
+            <a:schemeClr val="accent6"/>
+          </a:effectRef>
+          <a:fontRef idx="minor">
+            <a:schemeClr val="dk1"/>
+          </a:fontRef>
+        </p:style>
+        <p:txBody>
+          <a:bodyPr rtlCol="0" anchor="ctr"/>
+          <a:lstStyle/>
+          <a:p>
+            <a:pPr algn="ctr"/>
+            <a:endParaRPr lang="en-US"/>
+          </a:p>
+        </p:txBody>
+      </p:sp>
+      <p:sp>
+        <p:nvSpPr>
+          <p:cNvPr id="27" name="Oval 26">
+            <a:extLst>
+              <a:ext uri="{FF2B5EF4-FFF2-40B4-BE49-F238E27FC236}">
+                <a16:creationId xmlns:a16="http://schemas.microsoft.com/office/drawing/2014/main" id="{83E8E2A4-CE2E-2B4D-A062-E6B5F54F3F93}"/>
+              </a:ext>
+            </a:extLst>
+          </p:cNvPr>
+          <p:cNvSpPr/>
+          <p:nvPr/>
+        </p:nvSpPr>
+        <p:spPr>
+          <a:xfrm>
+            <a:off x="5083319" y="2077329"/>
+            <a:ext cx="431321" cy="431321"/>
+          </a:xfrm>
+          <a:prstGeom prst="ellipse">
+            <a:avLst/>
+          </a:prstGeom>
+          <a:ln w="28575">
+            <a:solidFill>
+              <a:schemeClr val="accent2"/>
+            </a:solidFill>
+          </a:ln>
+        </p:spPr>
+        <p:style>
+          <a:lnRef idx="2">
+            <a:schemeClr val="accent6"/>
+          </a:lnRef>
+          <a:fillRef idx="1">
+            <a:schemeClr val="lt1"/>
+          </a:fillRef>
+          <a:effectRef idx="0">
+            <a:schemeClr val="accent6"/>
+          </a:effectRef>
+          <a:fontRef idx="minor">
+            <a:schemeClr val="dk1"/>
+          </a:fontRef>
+        </p:style>
+        <p:txBody>
+          <a:bodyPr rtlCol="0" anchor="ctr"/>
+          <a:lstStyle/>
+          <a:p>
+            <a:pPr algn="ctr"/>
+            <a:endParaRPr lang="en-US"/>
+          </a:p>
+        </p:txBody>
+      </p:sp>
+      <p:sp>
+        <p:nvSpPr>
+          <p:cNvPr id="28" name="Oval 27">
+            <a:extLst>
+              <a:ext uri="{FF2B5EF4-FFF2-40B4-BE49-F238E27FC236}">
+                <a16:creationId xmlns:a16="http://schemas.microsoft.com/office/drawing/2014/main" id="{CE52C035-9609-104A-9386-381F5C22FFD1}"/>
+              </a:ext>
+            </a:extLst>
+          </p:cNvPr>
+          <p:cNvSpPr/>
+          <p:nvPr/>
+        </p:nvSpPr>
+        <p:spPr>
+          <a:xfrm>
+            <a:off x="5628755" y="2077329"/>
+            <a:ext cx="431321" cy="431321"/>
+          </a:xfrm>
+          <a:prstGeom prst="ellipse">
+            <a:avLst/>
+          </a:prstGeom>
+          <a:ln w="28575">
+            <a:solidFill>
+              <a:schemeClr val="accent2"/>
+            </a:solidFill>
+          </a:ln>
+        </p:spPr>
+        <p:style>
+          <a:lnRef idx="2">
+            <a:schemeClr val="accent6"/>
+          </a:lnRef>
+          <a:fillRef idx="1">
+            <a:schemeClr val="lt1"/>
+          </a:fillRef>
+          <a:effectRef idx="0">
+            <a:schemeClr val="accent6"/>
+          </a:effectRef>
+          <a:fontRef idx="minor">
+            <a:schemeClr val="dk1"/>
+          </a:fontRef>
+        </p:style>
+        <p:txBody>
+          <a:bodyPr rtlCol="0" anchor="ctr"/>
+          <a:lstStyle/>
+          <a:p>
+            <a:pPr algn="ctr"/>
+            <a:endParaRPr lang="en-US"/>
+          </a:p>
+        </p:txBody>
+      </p:sp>
+      <p:sp>
+        <p:nvSpPr>
+          <p:cNvPr id="29" name="Oval 28">
+            <a:extLst>
+              <a:ext uri="{FF2B5EF4-FFF2-40B4-BE49-F238E27FC236}">
+                <a16:creationId xmlns:a16="http://schemas.microsoft.com/office/drawing/2014/main" id="{25BE0D09-9C1F-B344-A29D-513BB871902F}"/>
+              </a:ext>
+            </a:extLst>
+          </p:cNvPr>
+          <p:cNvSpPr/>
+          <p:nvPr/>
+        </p:nvSpPr>
+        <p:spPr>
+          <a:xfrm>
+            <a:off x="6174191" y="2077329"/>
+            <a:ext cx="431321" cy="431321"/>
+          </a:xfrm>
+          <a:prstGeom prst="ellipse">
+            <a:avLst/>
+          </a:prstGeom>
+          <a:ln w="28575">
+            <a:solidFill>
+              <a:schemeClr val="accent2"/>
+            </a:solidFill>
+          </a:ln>
+        </p:spPr>
+        <p:style>
+          <a:lnRef idx="2">
+            <a:schemeClr val="accent6"/>
+          </a:lnRef>
+          <a:fillRef idx="1">
+            <a:schemeClr val="lt1"/>
+          </a:fillRef>
+          <a:effectRef idx="0">
+            <a:schemeClr val="accent6"/>
+          </a:effectRef>
+          <a:fontRef idx="minor">
+            <a:schemeClr val="dk1"/>
+          </a:fontRef>
+        </p:style>
+        <p:txBody>
+          <a:bodyPr rtlCol="0" anchor="ctr"/>
+          <a:lstStyle/>
+          <a:p>
+            <a:pPr algn="ctr"/>
+            <a:endParaRPr lang="en-US"/>
+          </a:p>
+        </p:txBody>
+      </p:sp>
+      <p:sp>
+        <p:nvSpPr>
+          <p:cNvPr id="30" name="Oval 29">
+            <a:extLst>
+              <a:ext uri="{FF2B5EF4-FFF2-40B4-BE49-F238E27FC236}">
+                <a16:creationId xmlns:a16="http://schemas.microsoft.com/office/drawing/2014/main" id="{C8CF45F8-F105-BB45-AE56-C185C171D4E2}"/>
+              </a:ext>
+            </a:extLst>
+          </p:cNvPr>
+          <p:cNvSpPr/>
+          <p:nvPr/>
+        </p:nvSpPr>
+        <p:spPr>
+          <a:xfrm>
+            <a:off x="6719627" y="2077329"/>
+            <a:ext cx="431321" cy="431321"/>
+          </a:xfrm>
+          <a:prstGeom prst="ellipse">
+            <a:avLst/>
+          </a:prstGeom>
+          <a:ln w="28575">
+            <a:solidFill>
+              <a:schemeClr val="accent2"/>
+            </a:solidFill>
+          </a:ln>
+        </p:spPr>
+        <p:style>
+          <a:lnRef idx="2">
+            <a:schemeClr val="accent6"/>
+          </a:lnRef>
+          <a:fillRef idx="1">
+            <a:schemeClr val="lt1"/>
+          </a:fillRef>
+          <a:effectRef idx="0">
+            <a:schemeClr val="accent6"/>
+          </a:effectRef>
+          <a:fontRef idx="minor">
+            <a:schemeClr val="dk1"/>
+          </a:fontRef>
+        </p:style>
+        <p:txBody>
+          <a:bodyPr rtlCol="0" anchor="ctr"/>
+          <a:lstStyle/>
+          <a:p>
+            <a:pPr algn="ctr"/>
+            <a:endParaRPr lang="en-US"/>
+          </a:p>
+        </p:txBody>
+      </p:sp>
+      <p:sp>
+        <p:nvSpPr>
+          <p:cNvPr id="31" name="Oval 30">
+            <a:extLst>
+              <a:ext uri="{FF2B5EF4-FFF2-40B4-BE49-F238E27FC236}">
+                <a16:creationId xmlns:a16="http://schemas.microsoft.com/office/drawing/2014/main" id="{00CBD360-5683-0E46-8195-D84B1AB73629}"/>
+              </a:ext>
+            </a:extLst>
+          </p:cNvPr>
+          <p:cNvSpPr/>
+          <p:nvPr/>
+        </p:nvSpPr>
+        <p:spPr>
+          <a:xfrm>
+            <a:off x="7265063" y="2077329"/>
+            <a:ext cx="431321" cy="431321"/>
+          </a:xfrm>
+          <a:prstGeom prst="ellipse">
+            <a:avLst/>
+          </a:prstGeom>
+          <a:ln w="28575">
+            <a:solidFill>
+              <a:schemeClr val="accent2"/>
+            </a:solidFill>
+          </a:ln>
+        </p:spPr>
+        <p:style>
+          <a:lnRef idx="2">
+            <a:schemeClr val="accent6"/>
+          </a:lnRef>
+          <a:fillRef idx="1">
+            <a:schemeClr val="lt1"/>
+          </a:fillRef>
+          <a:effectRef idx="0">
+            <a:schemeClr val="accent6"/>
+          </a:effectRef>
+          <a:fontRef idx="minor">
+            <a:schemeClr val="dk1"/>
+          </a:fontRef>
+        </p:style>
+        <p:txBody>
+          <a:bodyPr rtlCol="0" anchor="ctr"/>
+          <a:lstStyle/>
+          <a:p>
+            <a:pPr algn="ctr"/>
+            <a:endParaRPr lang="en-US"/>
+          </a:p>
+        </p:txBody>
+      </p:sp>
+      <p:sp>
+        <p:nvSpPr>
+          <p:cNvPr id="32" name="Oval 31">
+            <a:extLst>
+              <a:ext uri="{FF2B5EF4-FFF2-40B4-BE49-F238E27FC236}">
+                <a16:creationId xmlns:a16="http://schemas.microsoft.com/office/drawing/2014/main" id="{C554225D-136D-C349-B29F-22D5D867CD43}"/>
+              </a:ext>
+            </a:extLst>
+          </p:cNvPr>
+          <p:cNvSpPr/>
+          <p:nvPr/>
+        </p:nvSpPr>
+        <p:spPr>
+          <a:xfrm>
+            <a:off x="1810703" y="3504903"/>
+            <a:ext cx="431321" cy="431321"/>
+          </a:xfrm>
+          <a:prstGeom prst="ellipse">
+            <a:avLst/>
+          </a:prstGeom>
+          <a:ln w="28575">
+            <a:solidFill>
+              <a:schemeClr val="accent3"/>
+            </a:solidFill>
+          </a:ln>
+        </p:spPr>
+        <p:style>
+          <a:lnRef idx="2">
+            <a:schemeClr val="accent6"/>
+          </a:lnRef>
+          <a:fillRef idx="1">
+            <a:schemeClr val="lt1"/>
+          </a:fillRef>
+          <a:effectRef idx="0">
+            <a:schemeClr val="accent6"/>
+          </a:effectRef>
+          <a:fontRef idx="minor">
+            <a:schemeClr val="dk1"/>
+          </a:fontRef>
+        </p:style>
+        <p:txBody>
+          <a:bodyPr rtlCol="0" anchor="ctr"/>
+          <a:lstStyle/>
+          <a:p>
+            <a:pPr algn="ctr"/>
+            <a:endParaRPr lang="en-US"/>
+          </a:p>
+        </p:txBody>
+      </p:sp>
+      <p:sp>
+        <p:nvSpPr>
+          <p:cNvPr id="33" name="Oval 32">
+            <a:extLst>
+              <a:ext uri="{FF2B5EF4-FFF2-40B4-BE49-F238E27FC236}">
+                <a16:creationId xmlns:a16="http://schemas.microsoft.com/office/drawing/2014/main" id="{3DDB8493-0F5D-0E4A-B738-DE256AE581BF}"/>
+              </a:ext>
+            </a:extLst>
+          </p:cNvPr>
+          <p:cNvSpPr/>
+          <p:nvPr/>
+        </p:nvSpPr>
+        <p:spPr>
+          <a:xfrm>
+            <a:off x="2356139" y="3504903"/>
+            <a:ext cx="431321" cy="431321"/>
+          </a:xfrm>
+          <a:prstGeom prst="ellipse">
+            <a:avLst/>
+          </a:prstGeom>
+          <a:ln w="28575">
+            <a:solidFill>
+              <a:schemeClr val="accent3"/>
+            </a:solidFill>
+          </a:ln>
+        </p:spPr>
+        <p:style>
+          <a:lnRef idx="2">
+            <a:schemeClr val="accent6"/>
+          </a:lnRef>
+          <a:fillRef idx="1">
+            <a:schemeClr val="lt1"/>
+          </a:fillRef>
+          <a:effectRef idx="0">
+            <a:schemeClr val="accent6"/>
+          </a:effectRef>
+          <a:fontRef idx="minor">
+            <a:schemeClr val="dk1"/>
+          </a:fontRef>
+        </p:style>
+        <p:txBody>
+          <a:bodyPr rtlCol="0" anchor="ctr"/>
+          <a:lstStyle/>
+          <a:p>
+            <a:pPr algn="ctr"/>
+            <a:endParaRPr lang="en-US"/>
+          </a:p>
+        </p:txBody>
+      </p:sp>
+      <p:sp>
+        <p:nvSpPr>
+          <p:cNvPr id="34" name="Oval 33">
+            <a:extLst>
+              <a:ext uri="{FF2B5EF4-FFF2-40B4-BE49-F238E27FC236}">
+                <a16:creationId xmlns:a16="http://schemas.microsoft.com/office/drawing/2014/main" id="{625A5C50-3563-F04C-A8EE-4A0DBEECABDD}"/>
+              </a:ext>
+            </a:extLst>
+          </p:cNvPr>
+          <p:cNvSpPr/>
+          <p:nvPr/>
+        </p:nvSpPr>
+        <p:spPr>
+          <a:xfrm>
+            <a:off x="2901575" y="3504903"/>
+            <a:ext cx="431321" cy="431321"/>
+          </a:xfrm>
+          <a:prstGeom prst="ellipse">
+            <a:avLst/>
+          </a:prstGeom>
+          <a:ln w="28575">
+            <a:solidFill>
+              <a:schemeClr val="accent3"/>
+            </a:solidFill>
+          </a:ln>
+        </p:spPr>
+        <p:style>
+          <a:lnRef idx="2">
+            <a:schemeClr val="accent6"/>
+          </a:lnRef>
+          <a:fillRef idx="1">
+            <a:schemeClr val="lt1"/>
+          </a:fillRef>
+          <a:effectRef idx="0">
+            <a:schemeClr val="accent6"/>
+          </a:effectRef>
+          <a:fontRef idx="minor">
+            <a:schemeClr val="dk1"/>
+          </a:fontRef>
+        </p:style>
+        <p:txBody>
+          <a:bodyPr rtlCol="0" anchor="ctr"/>
+          <a:lstStyle/>
+          <a:p>
+            <a:pPr algn="ctr"/>
+            <a:endParaRPr lang="en-US"/>
+          </a:p>
+        </p:txBody>
+      </p:sp>
+      <p:sp>
+        <p:nvSpPr>
+          <p:cNvPr id="35" name="Oval 34">
+            <a:extLst>
+              <a:ext uri="{FF2B5EF4-FFF2-40B4-BE49-F238E27FC236}">
+                <a16:creationId xmlns:a16="http://schemas.microsoft.com/office/drawing/2014/main" id="{CB410CB3-53CB-424C-8609-CFB4BAA61E93}"/>
+              </a:ext>
+            </a:extLst>
+          </p:cNvPr>
+          <p:cNvSpPr/>
+          <p:nvPr/>
+        </p:nvSpPr>
+        <p:spPr>
+          <a:xfrm>
+            <a:off x="3447011" y="3504903"/>
+            <a:ext cx="431321" cy="431321"/>
+          </a:xfrm>
+          <a:prstGeom prst="ellipse">
+            <a:avLst/>
+          </a:prstGeom>
+          <a:ln w="28575">
+            <a:solidFill>
+              <a:schemeClr val="accent3"/>
+            </a:solidFill>
+          </a:ln>
+        </p:spPr>
+        <p:style>
+          <a:lnRef idx="2">
+            <a:schemeClr val="accent6"/>
+          </a:lnRef>
+          <a:fillRef idx="1">
+            <a:schemeClr val="lt1"/>
+          </a:fillRef>
+          <a:effectRef idx="0">
+            <a:schemeClr val="accent6"/>
+          </a:effectRef>
+          <a:fontRef idx="minor">
+            <a:schemeClr val="dk1"/>
+          </a:fontRef>
+        </p:style>
+        <p:txBody>
+          <a:bodyPr rtlCol="0" anchor="ctr"/>
+          <a:lstStyle/>
+          <a:p>
+            <a:pPr algn="ctr"/>
+            <a:endParaRPr lang="en-US"/>
+          </a:p>
+        </p:txBody>
+      </p:sp>
+      <p:sp>
+        <p:nvSpPr>
+          <p:cNvPr id="36" name="Oval 35">
+            <a:extLst>
+              <a:ext uri="{FF2B5EF4-FFF2-40B4-BE49-F238E27FC236}">
+                <a16:creationId xmlns:a16="http://schemas.microsoft.com/office/drawing/2014/main" id="{280435EF-0A75-6F4A-8157-0691576A92A3}"/>
+              </a:ext>
+            </a:extLst>
+          </p:cNvPr>
+          <p:cNvSpPr/>
+          <p:nvPr/>
+        </p:nvSpPr>
+        <p:spPr>
+          <a:xfrm>
+            <a:off x="3992447" y="3504903"/>
+            <a:ext cx="431321" cy="431321"/>
+          </a:xfrm>
+          <a:prstGeom prst="ellipse">
+            <a:avLst/>
+          </a:prstGeom>
+          <a:ln w="28575">
+            <a:solidFill>
+              <a:schemeClr val="accent3"/>
+            </a:solidFill>
+          </a:ln>
+        </p:spPr>
+        <p:style>
+          <a:lnRef idx="2">
+            <a:schemeClr val="accent6"/>
+          </a:lnRef>
+          <a:fillRef idx="1">
+            <a:schemeClr val="lt1"/>
+          </a:fillRef>
+          <a:effectRef idx="0">
+            <a:schemeClr val="accent6"/>
+          </a:effectRef>
+          <a:fontRef idx="minor">
+            <a:schemeClr val="dk1"/>
+          </a:fontRef>
+        </p:style>
+        <p:txBody>
+          <a:bodyPr rtlCol="0" anchor="ctr"/>
+          <a:lstStyle/>
+          <a:p>
+            <a:pPr algn="ctr"/>
+            <a:endParaRPr lang="en-US"/>
+          </a:p>
+        </p:txBody>
+      </p:sp>
+      <p:sp>
+        <p:nvSpPr>
+          <p:cNvPr id="37" name="Oval 36">
+            <a:extLst>
+              <a:ext uri="{FF2B5EF4-FFF2-40B4-BE49-F238E27FC236}">
+                <a16:creationId xmlns:a16="http://schemas.microsoft.com/office/drawing/2014/main" id="{29EA1B9A-4322-7A48-ABE3-51F2EBC49045}"/>
+              </a:ext>
+            </a:extLst>
+          </p:cNvPr>
+          <p:cNvSpPr/>
+          <p:nvPr/>
+        </p:nvSpPr>
+        <p:spPr>
+          <a:xfrm>
+            <a:off x="4537883" y="3504903"/>
+            <a:ext cx="431321" cy="431321"/>
+          </a:xfrm>
+          <a:prstGeom prst="ellipse">
+            <a:avLst/>
+          </a:prstGeom>
+          <a:ln w="28575">
+            <a:solidFill>
+              <a:schemeClr val="accent3"/>
+            </a:solidFill>
+          </a:ln>
+        </p:spPr>
+        <p:style>
+          <a:lnRef idx="2">
+            <a:schemeClr val="accent6"/>
+          </a:lnRef>
+          <a:fillRef idx="1">
+            <a:schemeClr val="lt1"/>
+          </a:fillRef>
+          <a:effectRef idx="0">
+            <a:schemeClr val="accent6"/>
+          </a:effectRef>
+          <a:fontRef idx="minor">
+            <a:schemeClr val="dk1"/>
+          </a:fontRef>
+        </p:style>
+        <p:txBody>
+          <a:bodyPr rtlCol="0" anchor="ctr"/>
+          <a:lstStyle/>
+          <a:p>
+            <a:pPr algn="ctr"/>
+            <a:endParaRPr lang="en-US"/>
+          </a:p>
+        </p:txBody>
+      </p:sp>
+      <p:sp>
+        <p:nvSpPr>
+          <p:cNvPr id="38" name="Oval 37">
+            <a:extLst>
+              <a:ext uri="{FF2B5EF4-FFF2-40B4-BE49-F238E27FC236}">
+                <a16:creationId xmlns:a16="http://schemas.microsoft.com/office/drawing/2014/main" id="{53FFC3F6-A205-3F4C-AEB5-8ED66707A65A}"/>
+              </a:ext>
+            </a:extLst>
+          </p:cNvPr>
+          <p:cNvSpPr/>
+          <p:nvPr/>
+        </p:nvSpPr>
+        <p:spPr>
+          <a:xfrm>
+            <a:off x="5083319" y="3504903"/>
+            <a:ext cx="431321" cy="431321"/>
+          </a:xfrm>
+          <a:prstGeom prst="ellipse">
+            <a:avLst/>
+          </a:prstGeom>
+          <a:ln w="28575">
+            <a:solidFill>
+              <a:schemeClr val="accent3"/>
+            </a:solidFill>
+          </a:ln>
+        </p:spPr>
+        <p:style>
+          <a:lnRef idx="2">
+            <a:schemeClr val="accent6"/>
+          </a:lnRef>
+          <a:fillRef idx="1">
+            <a:schemeClr val="lt1"/>
+          </a:fillRef>
+          <a:effectRef idx="0">
+            <a:schemeClr val="accent6"/>
+          </a:effectRef>
+          <a:fontRef idx="minor">
+            <a:schemeClr val="dk1"/>
+          </a:fontRef>
+        </p:style>
+        <p:txBody>
+          <a:bodyPr rtlCol="0" anchor="ctr"/>
+          <a:lstStyle/>
+          <a:p>
+            <a:pPr algn="ctr"/>
+            <a:endParaRPr lang="en-US"/>
+          </a:p>
+        </p:txBody>
+      </p:sp>
+      <p:sp>
+        <p:nvSpPr>
+          <p:cNvPr id="39" name="Oval 38">
+            <a:extLst>
+              <a:ext uri="{FF2B5EF4-FFF2-40B4-BE49-F238E27FC236}">
+                <a16:creationId xmlns:a16="http://schemas.microsoft.com/office/drawing/2014/main" id="{B03224C9-163F-6F4A-9018-B67ADB3C1B3F}"/>
+              </a:ext>
+            </a:extLst>
+          </p:cNvPr>
+          <p:cNvSpPr/>
+          <p:nvPr/>
+        </p:nvSpPr>
+        <p:spPr>
+          <a:xfrm>
+            <a:off x="5628755" y="3504903"/>
+            <a:ext cx="431321" cy="431321"/>
+          </a:xfrm>
+          <a:prstGeom prst="ellipse">
+            <a:avLst/>
+          </a:prstGeom>
+          <a:ln w="28575">
+            <a:solidFill>
+              <a:schemeClr val="accent3"/>
+            </a:solidFill>
+          </a:ln>
+        </p:spPr>
+        <p:style>
+          <a:lnRef idx="2">
+            <a:schemeClr val="accent6"/>
+          </a:lnRef>
+          <a:fillRef idx="1">
+            <a:schemeClr val="lt1"/>
+          </a:fillRef>
+          <a:effectRef idx="0">
+            <a:schemeClr val="accent6"/>
+          </a:effectRef>
+          <a:fontRef idx="minor">
+            <a:schemeClr val="dk1"/>
+          </a:fontRef>
+        </p:style>
+        <p:txBody>
+          <a:bodyPr rtlCol="0" anchor="ctr"/>
+          <a:lstStyle/>
+          <a:p>
+            <a:pPr algn="ctr"/>
+            <a:endParaRPr lang="en-US"/>
+          </a:p>
+        </p:txBody>
+      </p:sp>
+      <p:sp>
+        <p:nvSpPr>
+          <p:cNvPr id="46" name="Oval 45">
+            <a:extLst>
+              <a:ext uri="{FF2B5EF4-FFF2-40B4-BE49-F238E27FC236}">
+                <a16:creationId xmlns:a16="http://schemas.microsoft.com/office/drawing/2014/main" id="{7157C18A-F84F-4B4C-8CEC-49D2CA0E5645}"/>
+              </a:ext>
+            </a:extLst>
+          </p:cNvPr>
+          <p:cNvSpPr/>
+          <p:nvPr/>
+        </p:nvSpPr>
+        <p:spPr>
+          <a:xfrm>
+            <a:off x="3447011" y="1496717"/>
+            <a:ext cx="431321" cy="431321"/>
+          </a:xfrm>
+          <a:prstGeom prst="ellipse">
+            <a:avLst/>
+          </a:prstGeom>
+          <a:ln w="28575">
+            <a:solidFill>
+              <a:schemeClr val="accent1"/>
+            </a:solidFill>
+          </a:ln>
+        </p:spPr>
+        <p:style>
+          <a:lnRef idx="2">
+            <a:schemeClr val="accent6"/>
+          </a:lnRef>
+          <a:fillRef idx="1">
+            <a:schemeClr val="lt1"/>
+          </a:fillRef>
+          <a:effectRef idx="0">
+            <a:schemeClr val="accent6"/>
+          </a:effectRef>
+          <a:fontRef idx="minor">
+            <a:schemeClr val="dk1"/>
+          </a:fontRef>
+        </p:style>
+        <p:txBody>
+          <a:bodyPr rtlCol="0" anchor="ctr"/>
+          <a:lstStyle/>
+          <a:p>
+            <a:pPr algn="ctr"/>
+            <a:endParaRPr lang="en-US"/>
+          </a:p>
+        </p:txBody>
+      </p:sp>
+      <p:sp>
+        <p:nvSpPr>
+          <p:cNvPr id="47" name="Oval 46">
+            <a:extLst>
+              <a:ext uri="{FF2B5EF4-FFF2-40B4-BE49-F238E27FC236}">
+                <a16:creationId xmlns:a16="http://schemas.microsoft.com/office/drawing/2014/main" id="{101473AB-DF26-8846-A0F7-503F5BBD17D5}"/>
+              </a:ext>
+            </a:extLst>
+          </p:cNvPr>
+          <p:cNvSpPr/>
+          <p:nvPr/>
+        </p:nvSpPr>
+        <p:spPr>
+          <a:xfrm>
+            <a:off x="3992447" y="1496717"/>
+            <a:ext cx="431321" cy="431321"/>
+          </a:xfrm>
+          <a:prstGeom prst="ellipse">
+            <a:avLst/>
+          </a:prstGeom>
+          <a:ln w="28575">
+            <a:solidFill>
+              <a:schemeClr val="accent1"/>
+            </a:solidFill>
+          </a:ln>
+        </p:spPr>
+        <p:style>
+          <a:lnRef idx="2">
+            <a:schemeClr val="accent6"/>
+          </a:lnRef>
+          <a:fillRef idx="1">
+            <a:schemeClr val="lt1"/>
+          </a:fillRef>
+          <a:effectRef idx="0">
+            <a:schemeClr val="accent6"/>
+          </a:effectRef>
+          <a:fontRef idx="minor">
+            <a:schemeClr val="dk1"/>
+          </a:fontRef>
+        </p:style>
+        <p:txBody>
+          <a:bodyPr rtlCol="0" anchor="ctr"/>
+          <a:lstStyle/>
+          <a:p>
+            <a:pPr algn="ctr"/>
+            <a:endParaRPr lang="en-US"/>
+          </a:p>
+        </p:txBody>
+      </p:sp>
+      <p:sp>
+        <p:nvSpPr>
+          <p:cNvPr id="48" name="Oval 47">
+            <a:extLst>
+              <a:ext uri="{FF2B5EF4-FFF2-40B4-BE49-F238E27FC236}">
+                <a16:creationId xmlns:a16="http://schemas.microsoft.com/office/drawing/2014/main" id="{2F216B7F-B902-2340-8641-2C85AA3E8A67}"/>
+              </a:ext>
+            </a:extLst>
+          </p:cNvPr>
+          <p:cNvSpPr/>
+          <p:nvPr/>
+        </p:nvSpPr>
+        <p:spPr>
+          <a:xfrm>
+            <a:off x="4537883" y="1496717"/>
+            <a:ext cx="431321" cy="431321"/>
+          </a:xfrm>
+          <a:prstGeom prst="ellipse">
+            <a:avLst/>
+          </a:prstGeom>
+          <a:ln w="28575">
+            <a:solidFill>
+              <a:schemeClr val="accent1"/>
+            </a:solidFill>
+          </a:ln>
+        </p:spPr>
+        <p:style>
+          <a:lnRef idx="2">
+            <a:schemeClr val="accent6"/>
+          </a:lnRef>
+          <a:fillRef idx="1">
+            <a:schemeClr val="lt1"/>
+          </a:fillRef>
+          <a:effectRef idx="0">
+            <a:schemeClr val="accent6"/>
+          </a:effectRef>
+          <a:fontRef idx="minor">
+            <a:schemeClr val="dk1"/>
+          </a:fontRef>
+        </p:style>
+        <p:txBody>
+          <a:bodyPr rtlCol="0" anchor="ctr"/>
+          <a:lstStyle/>
+          <a:p>
+            <a:pPr algn="ctr"/>
+            <a:endParaRPr lang="en-US"/>
+          </a:p>
+        </p:txBody>
+      </p:sp>
+      <p:sp>
+        <p:nvSpPr>
+          <p:cNvPr id="49" name="Oval 48">
+            <a:extLst>
+              <a:ext uri="{FF2B5EF4-FFF2-40B4-BE49-F238E27FC236}">
+                <a16:creationId xmlns:a16="http://schemas.microsoft.com/office/drawing/2014/main" id="{7CCFF426-FDB3-694D-8D44-370B945B32A0}"/>
+              </a:ext>
+            </a:extLst>
+          </p:cNvPr>
+          <p:cNvSpPr/>
+          <p:nvPr/>
+        </p:nvSpPr>
+        <p:spPr>
+          <a:xfrm>
+            <a:off x="5083319" y="1496717"/>
+            <a:ext cx="431321" cy="431321"/>
+          </a:xfrm>
+          <a:prstGeom prst="ellipse">
+            <a:avLst/>
+          </a:prstGeom>
+          <a:ln w="28575">
+            <a:solidFill>
+              <a:schemeClr val="accent1"/>
+            </a:solidFill>
+          </a:ln>
+        </p:spPr>
+        <p:style>
+          <a:lnRef idx="2">
+            <a:schemeClr val="accent6"/>
+          </a:lnRef>
+          <a:fillRef idx="1">
+            <a:schemeClr val="lt1"/>
+          </a:fillRef>
+          <a:effectRef idx="0">
+            <a:schemeClr val="accent6"/>
+          </a:effectRef>
+          <a:fontRef idx="minor">
+            <a:schemeClr val="dk1"/>
+          </a:fontRef>
+        </p:style>
+        <p:txBody>
+          <a:bodyPr rtlCol="0" anchor="ctr"/>
+          <a:lstStyle/>
+          <a:p>
+            <a:pPr algn="ctr"/>
+            <a:endParaRPr lang="en-US"/>
+          </a:p>
+        </p:txBody>
+      </p:sp>
+      <p:sp>
+        <p:nvSpPr>
+          <p:cNvPr id="50" name="Oval 49">
+            <a:extLst>
+              <a:ext uri="{FF2B5EF4-FFF2-40B4-BE49-F238E27FC236}">
+                <a16:creationId xmlns:a16="http://schemas.microsoft.com/office/drawing/2014/main" id="{FDFCB720-1A6A-9346-B532-A85896AC43C8}"/>
+              </a:ext>
+            </a:extLst>
+          </p:cNvPr>
+          <p:cNvSpPr/>
+          <p:nvPr/>
+        </p:nvSpPr>
+        <p:spPr>
+          <a:xfrm>
+            <a:off x="5628755" y="1496717"/>
+            <a:ext cx="431321" cy="431321"/>
+          </a:xfrm>
+          <a:prstGeom prst="ellipse">
+            <a:avLst/>
+          </a:prstGeom>
+          <a:ln w="28575">
+            <a:solidFill>
+              <a:schemeClr val="accent1"/>
+            </a:solidFill>
+          </a:ln>
+        </p:spPr>
+        <p:style>
+          <a:lnRef idx="2">
+            <a:schemeClr val="accent6"/>
+          </a:lnRef>
+          <a:fillRef idx="1">
+            <a:schemeClr val="lt1"/>
+          </a:fillRef>
+          <a:effectRef idx="0">
+            <a:schemeClr val="accent6"/>
+          </a:effectRef>
+          <a:fontRef idx="minor">
+            <a:schemeClr val="dk1"/>
+          </a:fontRef>
+        </p:style>
+        <p:txBody>
+          <a:bodyPr rtlCol="0" anchor="ctr"/>
+          <a:lstStyle/>
+          <a:p>
+            <a:pPr algn="ctr"/>
+            <a:endParaRPr lang="en-US"/>
+          </a:p>
+        </p:txBody>
+      </p:sp>
+      <p:sp>
+        <p:nvSpPr>
+          <p:cNvPr id="51" name="Oval 50">
+            <a:extLst>
+              <a:ext uri="{FF2B5EF4-FFF2-40B4-BE49-F238E27FC236}">
+                <a16:creationId xmlns:a16="http://schemas.microsoft.com/office/drawing/2014/main" id="{F1B080B9-20DE-BC45-A58F-3586C3483E37}"/>
+              </a:ext>
+            </a:extLst>
+          </p:cNvPr>
+          <p:cNvSpPr/>
+          <p:nvPr/>
+        </p:nvSpPr>
+        <p:spPr>
+          <a:xfrm>
+            <a:off x="6174191" y="1496717"/>
+            <a:ext cx="431321" cy="431321"/>
+          </a:xfrm>
+          <a:prstGeom prst="ellipse">
+            <a:avLst/>
+          </a:prstGeom>
+          <a:ln w="28575">
+            <a:solidFill>
+              <a:schemeClr val="accent1"/>
+            </a:solidFill>
+          </a:ln>
+        </p:spPr>
+        <p:style>
+          <a:lnRef idx="2">
+            <a:schemeClr val="accent6"/>
+          </a:lnRef>
+          <a:fillRef idx="1">
+            <a:schemeClr val="lt1"/>
+          </a:fillRef>
+          <a:effectRef idx="0">
+            <a:schemeClr val="accent6"/>
+          </a:effectRef>
+          <a:fontRef idx="minor">
+            <a:schemeClr val="dk1"/>
+          </a:fontRef>
+        </p:style>
+        <p:txBody>
+          <a:bodyPr rtlCol="0" anchor="ctr"/>
+          <a:lstStyle/>
+          <a:p>
+            <a:pPr algn="ctr"/>
+            <a:endParaRPr lang="en-US"/>
+          </a:p>
+        </p:txBody>
+      </p:sp>
+      <p:sp>
+        <p:nvSpPr>
+          <p:cNvPr id="52" name="Oval 51">
+            <a:extLst>
+              <a:ext uri="{FF2B5EF4-FFF2-40B4-BE49-F238E27FC236}">
+                <a16:creationId xmlns:a16="http://schemas.microsoft.com/office/drawing/2014/main" id="{EEB22FBC-EAD9-0347-A37C-FC9B695FF61B}"/>
+              </a:ext>
+            </a:extLst>
+          </p:cNvPr>
+          <p:cNvSpPr/>
+          <p:nvPr/>
+        </p:nvSpPr>
+        <p:spPr>
+          <a:xfrm>
+            <a:off x="6719627" y="1496717"/>
+            <a:ext cx="431321" cy="431321"/>
+          </a:xfrm>
+          <a:prstGeom prst="ellipse">
+            <a:avLst/>
+          </a:prstGeom>
+          <a:ln w="28575">
+            <a:solidFill>
+              <a:schemeClr val="accent1"/>
+            </a:solidFill>
+          </a:ln>
+        </p:spPr>
+        <p:style>
+          <a:lnRef idx="2">
+            <a:schemeClr val="accent6"/>
+          </a:lnRef>
+          <a:fillRef idx="1">
+            <a:schemeClr val="lt1"/>
+          </a:fillRef>
+          <a:effectRef idx="0">
+            <a:schemeClr val="accent6"/>
+          </a:effectRef>
+          <a:fontRef idx="minor">
+            <a:schemeClr val="dk1"/>
+          </a:fontRef>
+        </p:style>
+        <p:txBody>
+          <a:bodyPr rtlCol="0" anchor="ctr"/>
+          <a:lstStyle/>
+          <a:p>
+            <a:pPr algn="ctr"/>
+            <a:endParaRPr lang="en-US"/>
+          </a:p>
+        </p:txBody>
+      </p:sp>
+      <p:sp>
+        <p:nvSpPr>
+          <p:cNvPr id="53" name="Oval 52">
+            <a:extLst>
+              <a:ext uri="{FF2B5EF4-FFF2-40B4-BE49-F238E27FC236}">
+                <a16:creationId xmlns:a16="http://schemas.microsoft.com/office/drawing/2014/main" id="{2A53ECE9-4DF7-A84C-93C9-B3CEF0DF31F9}"/>
+              </a:ext>
+            </a:extLst>
+          </p:cNvPr>
+          <p:cNvSpPr/>
+          <p:nvPr/>
+        </p:nvSpPr>
+        <p:spPr>
+          <a:xfrm>
+            <a:off x="7265063" y="1496717"/>
+            <a:ext cx="431321" cy="431321"/>
+          </a:xfrm>
+          <a:prstGeom prst="ellipse">
+            <a:avLst/>
+          </a:prstGeom>
+          <a:ln w="28575">
+            <a:solidFill>
+              <a:schemeClr val="accent1"/>
+            </a:solidFill>
+          </a:ln>
+        </p:spPr>
+        <p:style>
+          <a:lnRef idx="2">
+            <a:schemeClr val="accent6"/>
+          </a:lnRef>
+          <a:fillRef idx="1">
+            <a:schemeClr val="lt1"/>
+          </a:fillRef>
+          <a:effectRef idx="0">
+            <a:schemeClr val="accent6"/>
+          </a:effectRef>
+          <a:fontRef idx="minor">
+            <a:schemeClr val="dk1"/>
+          </a:fontRef>
+        </p:style>
+        <p:txBody>
+          <a:bodyPr rtlCol="0" anchor="ctr"/>
+          <a:lstStyle/>
+          <a:p>
+            <a:pPr algn="ctr"/>
+            <a:endParaRPr lang="en-US"/>
+          </a:p>
+        </p:txBody>
+      </p:sp>
+      <p:sp>
+        <p:nvSpPr>
+          <p:cNvPr id="55" name="Oval 54">
+            <a:extLst>
+              <a:ext uri="{FF2B5EF4-FFF2-40B4-BE49-F238E27FC236}">
+                <a16:creationId xmlns:a16="http://schemas.microsoft.com/office/drawing/2014/main" id="{BF8592AB-A824-854C-B40A-6ACACBBD6313}"/>
+              </a:ext>
+            </a:extLst>
+          </p:cNvPr>
+          <p:cNvSpPr/>
+          <p:nvPr/>
+        </p:nvSpPr>
+        <p:spPr>
+          <a:xfrm>
+            <a:off x="2356139" y="932626"/>
+            <a:ext cx="431321" cy="431321"/>
+          </a:xfrm>
+          <a:prstGeom prst="ellipse">
+            <a:avLst/>
+          </a:prstGeom>
+          <a:noFill/>
+          <a:ln w="28575">
+            <a:solidFill>
+              <a:schemeClr val="accent6"/>
+            </a:solidFill>
+          </a:ln>
+        </p:spPr>
+        <p:style>
+          <a:lnRef idx="2">
+            <a:schemeClr val="accent6"/>
+          </a:lnRef>
+          <a:fillRef idx="1">
+            <a:schemeClr val="lt1"/>
+          </a:fillRef>
+          <a:effectRef idx="0">
+            <a:schemeClr val="accent6"/>
+          </a:effectRef>
+          <a:fontRef idx="minor">
+            <a:schemeClr val="dk1"/>
+          </a:fontRef>
+        </p:style>
+        <p:txBody>
+          <a:bodyPr rtlCol="0" anchor="ctr"/>
+          <a:lstStyle/>
+          <a:p>
+            <a:pPr algn="ctr"/>
+            <a:endParaRPr lang="en-US"/>
+          </a:p>
+        </p:txBody>
+      </p:sp>
+      <p:sp>
+        <p:nvSpPr>
+          <p:cNvPr id="56" name="Oval 55">
+            <a:extLst>
+              <a:ext uri="{FF2B5EF4-FFF2-40B4-BE49-F238E27FC236}">
+                <a16:creationId xmlns:a16="http://schemas.microsoft.com/office/drawing/2014/main" id="{1E1F2F4A-5F29-FF4F-BB8E-0667FFD7958C}"/>
+              </a:ext>
+            </a:extLst>
+          </p:cNvPr>
+          <p:cNvSpPr/>
+          <p:nvPr/>
+        </p:nvSpPr>
+        <p:spPr>
+          <a:xfrm>
+            <a:off x="2901575" y="932626"/>
+            <a:ext cx="431321" cy="431321"/>
+          </a:xfrm>
+          <a:prstGeom prst="ellipse">
+            <a:avLst/>
+          </a:prstGeom>
+          <a:noFill/>
+          <a:ln w="28575">
+            <a:solidFill>
+              <a:schemeClr val="accent6"/>
+            </a:solidFill>
+          </a:ln>
+        </p:spPr>
+        <p:style>
+          <a:lnRef idx="2">
+            <a:schemeClr val="accent6"/>
+          </a:lnRef>
+          <a:fillRef idx="1">
+            <a:schemeClr val="lt1"/>
+          </a:fillRef>
+          <a:effectRef idx="0">
+            <a:schemeClr val="accent6"/>
+          </a:effectRef>
+          <a:fontRef idx="minor">
+            <a:schemeClr val="dk1"/>
+          </a:fontRef>
+        </p:style>
+        <p:txBody>
+          <a:bodyPr rtlCol="0" anchor="ctr"/>
+          <a:lstStyle/>
+          <a:p>
+            <a:pPr algn="ctr"/>
+            <a:endParaRPr lang="en-US"/>
+          </a:p>
+        </p:txBody>
+      </p:sp>
+      <p:sp>
+        <p:nvSpPr>
+          <p:cNvPr id="57" name="Oval 56">
+            <a:extLst>
+              <a:ext uri="{FF2B5EF4-FFF2-40B4-BE49-F238E27FC236}">
+                <a16:creationId xmlns:a16="http://schemas.microsoft.com/office/drawing/2014/main" id="{75C6DC7F-0E3D-AF41-A0CA-BAA65EFAD3BB}"/>
+              </a:ext>
+            </a:extLst>
+          </p:cNvPr>
+          <p:cNvSpPr/>
+          <p:nvPr/>
+        </p:nvSpPr>
+        <p:spPr>
+          <a:xfrm>
+            <a:off x="3447011" y="932626"/>
+            <a:ext cx="431321" cy="431321"/>
+          </a:xfrm>
+          <a:prstGeom prst="ellipse">
+            <a:avLst/>
+          </a:prstGeom>
+          <a:noFill/>
+          <a:ln w="28575">
+            <a:solidFill>
+              <a:schemeClr val="accent6"/>
+            </a:solidFill>
+          </a:ln>
+        </p:spPr>
+        <p:style>
+          <a:lnRef idx="2">
+            <a:schemeClr val="accent6"/>
+          </a:lnRef>
+          <a:fillRef idx="1">
+            <a:schemeClr val="lt1"/>
+          </a:fillRef>
+          <a:effectRef idx="0">
+            <a:schemeClr val="accent6"/>
+          </a:effectRef>
+          <a:fontRef idx="minor">
+            <a:schemeClr val="dk1"/>
+          </a:fontRef>
+        </p:style>
+        <p:txBody>
+          <a:bodyPr rtlCol="0" anchor="ctr"/>
+          <a:lstStyle/>
+          <a:p>
+            <a:pPr algn="ctr"/>
+            <a:endParaRPr lang="en-US"/>
+          </a:p>
+        </p:txBody>
+      </p:sp>
+      <p:sp>
+        <p:nvSpPr>
+          <p:cNvPr id="58" name="Oval 57">
+            <a:extLst>
+              <a:ext uri="{FF2B5EF4-FFF2-40B4-BE49-F238E27FC236}">
+                <a16:creationId xmlns:a16="http://schemas.microsoft.com/office/drawing/2014/main" id="{4254FD76-1275-0441-832C-5B49971475A9}"/>
+              </a:ext>
+            </a:extLst>
+          </p:cNvPr>
+          <p:cNvSpPr/>
+          <p:nvPr/>
+        </p:nvSpPr>
+        <p:spPr>
+          <a:xfrm>
+            <a:off x="3992447" y="932626"/>
+            <a:ext cx="431321" cy="431321"/>
+          </a:xfrm>
+          <a:prstGeom prst="ellipse">
+            <a:avLst/>
+          </a:prstGeom>
+          <a:noFill/>
+          <a:ln w="28575">
+            <a:solidFill>
+              <a:schemeClr val="accent6"/>
+            </a:solidFill>
+          </a:ln>
+        </p:spPr>
+        <p:style>
+          <a:lnRef idx="2">
+            <a:schemeClr val="accent6"/>
+          </a:lnRef>
+          <a:fillRef idx="1">
+            <a:schemeClr val="lt1"/>
+          </a:fillRef>
+          <a:effectRef idx="0">
+            <a:schemeClr val="accent6"/>
+          </a:effectRef>
+          <a:fontRef idx="minor">
+            <a:schemeClr val="dk1"/>
+          </a:fontRef>
+        </p:style>
+        <p:txBody>
+          <a:bodyPr rtlCol="0" anchor="ctr"/>
+          <a:lstStyle/>
+          <a:p>
+            <a:pPr algn="ctr"/>
+            <a:endParaRPr lang="en-US"/>
+          </a:p>
+        </p:txBody>
+      </p:sp>
+      <p:sp>
+        <p:nvSpPr>
+          <p:cNvPr id="59" name="Oval 58">
+            <a:extLst>
+              <a:ext uri="{FF2B5EF4-FFF2-40B4-BE49-F238E27FC236}">
+                <a16:creationId xmlns:a16="http://schemas.microsoft.com/office/drawing/2014/main" id="{FAF4E92F-267C-7744-AB25-11E299FAD851}"/>
+              </a:ext>
+            </a:extLst>
+          </p:cNvPr>
+          <p:cNvSpPr/>
+          <p:nvPr/>
+        </p:nvSpPr>
+        <p:spPr>
+          <a:xfrm>
+            <a:off x="4537883" y="932626"/>
+            <a:ext cx="431321" cy="431321"/>
+          </a:xfrm>
+          <a:prstGeom prst="ellipse">
+            <a:avLst/>
+          </a:prstGeom>
+          <a:noFill/>
+          <a:ln w="28575">
+            <a:solidFill>
+              <a:schemeClr val="accent6"/>
+            </a:solidFill>
+          </a:ln>
+        </p:spPr>
+        <p:style>
+          <a:lnRef idx="2">
+            <a:schemeClr val="accent6"/>
+          </a:lnRef>
+          <a:fillRef idx="1">
+            <a:schemeClr val="lt1"/>
+          </a:fillRef>
+          <a:effectRef idx="0">
+            <a:schemeClr val="accent6"/>
+          </a:effectRef>
+          <a:fontRef idx="minor">
+            <a:schemeClr val="dk1"/>
+          </a:fontRef>
+        </p:style>
+        <p:txBody>
+          <a:bodyPr rtlCol="0" anchor="ctr"/>
+          <a:lstStyle/>
+          <a:p>
+            <a:pPr algn="ctr"/>
+            <a:endParaRPr lang="en-US"/>
+          </a:p>
+        </p:txBody>
+      </p:sp>
+      <p:sp>
+        <p:nvSpPr>
+          <p:cNvPr id="60" name="Oval 59">
+            <a:extLst>
+              <a:ext uri="{FF2B5EF4-FFF2-40B4-BE49-F238E27FC236}">
+                <a16:creationId xmlns:a16="http://schemas.microsoft.com/office/drawing/2014/main" id="{311E8E38-58F1-3E44-9AB5-FA6B2E663D48}"/>
+              </a:ext>
+            </a:extLst>
+          </p:cNvPr>
+          <p:cNvSpPr/>
+          <p:nvPr/>
+        </p:nvSpPr>
+        <p:spPr>
+          <a:xfrm>
+            <a:off x="5083319" y="932626"/>
+            <a:ext cx="431321" cy="431321"/>
+          </a:xfrm>
+          <a:prstGeom prst="ellipse">
+            <a:avLst/>
+          </a:prstGeom>
+          <a:noFill/>
+          <a:ln w="28575">
+            <a:solidFill>
+              <a:schemeClr val="accent6"/>
+            </a:solidFill>
+          </a:ln>
+        </p:spPr>
+        <p:style>
+          <a:lnRef idx="2">
+            <a:schemeClr val="accent6"/>
+          </a:lnRef>
+          <a:fillRef idx="1">
+            <a:schemeClr val="lt1"/>
+          </a:fillRef>
+          <a:effectRef idx="0">
+            <a:schemeClr val="accent6"/>
+          </a:effectRef>
+          <a:fontRef idx="minor">
+            <a:schemeClr val="dk1"/>
+          </a:fontRef>
+        </p:style>
+        <p:txBody>
+          <a:bodyPr rtlCol="0" anchor="ctr"/>
+          <a:lstStyle/>
+          <a:p>
+            <a:pPr algn="ctr"/>
+            <a:endParaRPr lang="en-US"/>
+          </a:p>
+        </p:txBody>
+      </p:sp>
+      <p:sp>
+        <p:nvSpPr>
+          <p:cNvPr id="61" name="Oval 60">
+            <a:extLst>
+              <a:ext uri="{FF2B5EF4-FFF2-40B4-BE49-F238E27FC236}">
+                <a16:creationId xmlns:a16="http://schemas.microsoft.com/office/drawing/2014/main" id="{7E72065A-A967-A846-9E9B-1AA619B5010D}"/>
+              </a:ext>
+            </a:extLst>
+          </p:cNvPr>
+          <p:cNvSpPr/>
+          <p:nvPr/>
+        </p:nvSpPr>
+        <p:spPr>
+          <a:xfrm>
+            <a:off x="5628755" y="932626"/>
+            <a:ext cx="431321" cy="431321"/>
+          </a:xfrm>
+          <a:prstGeom prst="ellipse">
+            <a:avLst/>
+          </a:prstGeom>
+          <a:noFill/>
+          <a:ln w="28575">
+            <a:solidFill>
+              <a:schemeClr val="accent6"/>
+            </a:solidFill>
+          </a:ln>
+        </p:spPr>
+        <p:style>
+          <a:lnRef idx="2">
+            <a:schemeClr val="accent6"/>
+          </a:lnRef>
+          <a:fillRef idx="1">
+            <a:schemeClr val="lt1"/>
+          </a:fillRef>
+          <a:effectRef idx="0">
+            <a:schemeClr val="accent6"/>
+          </a:effectRef>
+          <a:fontRef idx="minor">
+            <a:schemeClr val="dk1"/>
+          </a:fontRef>
+        </p:style>
+        <p:txBody>
+          <a:bodyPr rtlCol="0" anchor="ctr"/>
+          <a:lstStyle/>
+          <a:p>
+            <a:pPr algn="ctr"/>
+            <a:endParaRPr lang="en-US"/>
+          </a:p>
+        </p:txBody>
+      </p:sp>
+      <p:sp>
+        <p:nvSpPr>
+          <p:cNvPr id="62" name="Oval 61">
+            <a:extLst>
+              <a:ext uri="{FF2B5EF4-FFF2-40B4-BE49-F238E27FC236}">
+                <a16:creationId xmlns:a16="http://schemas.microsoft.com/office/drawing/2014/main" id="{4059321F-C262-9745-B0AC-4948EA690833}"/>
+              </a:ext>
+            </a:extLst>
+          </p:cNvPr>
+          <p:cNvSpPr/>
+          <p:nvPr/>
+        </p:nvSpPr>
+        <p:spPr>
+          <a:xfrm>
+            <a:off x="6174191" y="932626"/>
+            <a:ext cx="431321" cy="431321"/>
+          </a:xfrm>
+          <a:prstGeom prst="ellipse">
+            <a:avLst/>
+          </a:prstGeom>
+          <a:noFill/>
+          <a:ln w="28575">
+            <a:solidFill>
+              <a:schemeClr val="accent6"/>
+            </a:solidFill>
+          </a:ln>
+        </p:spPr>
+        <p:style>
+          <a:lnRef idx="2">
+            <a:schemeClr val="accent6"/>
+          </a:lnRef>
+          <a:fillRef idx="1">
+            <a:schemeClr val="lt1"/>
+          </a:fillRef>
+          <a:effectRef idx="0">
+            <a:schemeClr val="accent6"/>
+          </a:effectRef>
+          <a:fontRef idx="minor">
+            <a:schemeClr val="dk1"/>
+          </a:fontRef>
+        </p:style>
+        <p:txBody>
+          <a:bodyPr rtlCol="0" anchor="ctr"/>
+          <a:lstStyle/>
+          <a:p>
+            <a:pPr algn="ctr"/>
+            <a:endParaRPr lang="en-US"/>
+          </a:p>
+        </p:txBody>
+      </p:sp>
+      <p:sp>
+        <p:nvSpPr>
+          <p:cNvPr id="63" name="Oval 62">
+            <a:extLst>
+              <a:ext uri="{FF2B5EF4-FFF2-40B4-BE49-F238E27FC236}">
+                <a16:creationId xmlns:a16="http://schemas.microsoft.com/office/drawing/2014/main" id="{1D5DACCE-0355-794F-9BB7-31D2A77F2792}"/>
+              </a:ext>
+            </a:extLst>
+          </p:cNvPr>
+          <p:cNvSpPr/>
+          <p:nvPr/>
+        </p:nvSpPr>
+        <p:spPr>
+          <a:xfrm>
+            <a:off x="6719627" y="932626"/>
+            <a:ext cx="431321" cy="431321"/>
+          </a:xfrm>
+          <a:prstGeom prst="ellipse">
+            <a:avLst/>
+          </a:prstGeom>
+          <a:noFill/>
+          <a:ln w="28575">
+            <a:solidFill>
+              <a:schemeClr val="accent6"/>
+            </a:solidFill>
+          </a:ln>
+        </p:spPr>
+        <p:style>
+          <a:lnRef idx="2">
+            <a:schemeClr val="accent6"/>
+          </a:lnRef>
+          <a:fillRef idx="1">
+            <a:schemeClr val="lt1"/>
+          </a:fillRef>
+          <a:effectRef idx="0">
+            <a:schemeClr val="accent6"/>
+          </a:effectRef>
+          <a:fontRef idx="minor">
+            <a:schemeClr val="dk1"/>
+          </a:fontRef>
+        </p:style>
+        <p:txBody>
+          <a:bodyPr rtlCol="0" anchor="ctr"/>
+          <a:lstStyle/>
+          <a:p>
+            <a:pPr algn="ctr"/>
+            <a:endParaRPr lang="en-US"/>
+          </a:p>
+        </p:txBody>
+      </p:sp>
+      <p:sp>
+        <p:nvSpPr>
+          <p:cNvPr id="124" name="TextBox 123">
+            <a:extLst>
+              <a:ext uri="{FF2B5EF4-FFF2-40B4-BE49-F238E27FC236}">
+                <a16:creationId xmlns:a16="http://schemas.microsoft.com/office/drawing/2014/main" id="{E9715C72-479F-F645-AD1A-959C2F784C5A}"/>
+              </a:ext>
+            </a:extLst>
+          </p:cNvPr>
+          <p:cNvSpPr txBox="1"/>
+          <p:nvPr/>
+        </p:nvSpPr>
+        <p:spPr>
+          <a:xfrm>
+            <a:off x="8212548" y="963620"/>
+            <a:ext cx="542136" cy="369332"/>
+          </a:xfrm>
+          <a:prstGeom prst="rect">
+            <a:avLst/>
+          </a:prstGeom>
+          <a:noFill/>
+        </p:spPr>
+        <p:txBody>
+          <a:bodyPr wrap="none" rtlCol="0">
+            <a:spAutoFit/>
+          </a:bodyPr>
+          <a:lstStyle/>
+          <a:p>
+            <a:r>
+              <a:rPr lang="en-US" dirty="0"/>
+              <a:t>SGS</a:t>
+            </a:r>
+          </a:p>
+        </p:txBody>
+      </p:sp>
+      <p:sp>
+        <p:nvSpPr>
+          <p:cNvPr id="125" name="TextBox 124">
+            <a:extLst>
+              <a:ext uri="{FF2B5EF4-FFF2-40B4-BE49-F238E27FC236}">
+                <a16:creationId xmlns:a16="http://schemas.microsoft.com/office/drawing/2014/main" id="{CA24F948-C115-D245-AD59-4D2ABA1C0668}"/>
+              </a:ext>
+            </a:extLst>
+          </p:cNvPr>
+          <p:cNvSpPr txBox="1"/>
+          <p:nvPr/>
+        </p:nvSpPr>
+        <p:spPr>
+          <a:xfrm>
+            <a:off x="7830681" y="1527711"/>
+            <a:ext cx="1305870" cy="369332"/>
+          </a:xfrm>
+          <a:prstGeom prst="rect">
+            <a:avLst/>
+          </a:prstGeom>
+          <a:noFill/>
+        </p:spPr>
+        <p:txBody>
+          <a:bodyPr wrap="none" rtlCol="0">
+            <a:spAutoFit/>
+          </a:bodyPr>
+          <a:lstStyle/>
+          <a:p>
+            <a:r>
+              <a:rPr lang="en-US" dirty="0"/>
+              <a:t>Cougar Trap</a:t>
+            </a:r>
+          </a:p>
+        </p:txBody>
+      </p:sp>
+      <p:sp>
+        <p:nvSpPr>
+          <p:cNvPr id="126" name="TextBox 125">
+            <a:extLst>
+              <a:ext uri="{FF2B5EF4-FFF2-40B4-BE49-F238E27FC236}">
+                <a16:creationId xmlns:a16="http://schemas.microsoft.com/office/drawing/2014/main" id="{76E150EF-A65E-5E4B-A30B-FE2AA1B337ED}"/>
+              </a:ext>
+            </a:extLst>
+          </p:cNvPr>
+          <p:cNvSpPr txBox="1"/>
+          <p:nvPr/>
+        </p:nvSpPr>
+        <p:spPr>
+          <a:xfrm>
+            <a:off x="9103092" y="2108323"/>
+            <a:ext cx="611065" cy="369332"/>
+          </a:xfrm>
+          <a:prstGeom prst="rect">
+            <a:avLst/>
+          </a:prstGeom>
+          <a:noFill/>
+        </p:spPr>
+        <p:txBody>
+          <a:bodyPr wrap="none" rtlCol="0">
+            <a:spAutoFit/>
+          </a:bodyPr>
+          <a:lstStyle/>
+          <a:p>
+            <a:r>
+              <a:rPr lang="en-US" dirty="0"/>
+              <a:t>NOR</a:t>
+            </a:r>
+          </a:p>
+        </p:txBody>
+      </p:sp>
+      <p:sp>
+        <p:nvSpPr>
+          <p:cNvPr id="127" name="TextBox 126">
+            <a:extLst>
+              <a:ext uri="{FF2B5EF4-FFF2-40B4-BE49-F238E27FC236}">
+                <a16:creationId xmlns:a16="http://schemas.microsoft.com/office/drawing/2014/main" id="{71CC9FB3-58C0-C049-9F17-D800814E8F99}"/>
+              </a:ext>
+            </a:extLst>
+          </p:cNvPr>
+          <p:cNvSpPr txBox="1"/>
+          <p:nvPr/>
+        </p:nvSpPr>
+        <p:spPr>
+          <a:xfrm>
+            <a:off x="9103092" y="963620"/>
+            <a:ext cx="611065" cy="369332"/>
+          </a:xfrm>
+          <a:prstGeom prst="rect">
+            <a:avLst/>
+          </a:prstGeom>
+          <a:noFill/>
+        </p:spPr>
+        <p:txBody>
+          <a:bodyPr wrap="none" rtlCol="0">
+            <a:spAutoFit/>
+          </a:bodyPr>
+          <a:lstStyle/>
+          <a:p>
+            <a:r>
+              <a:rPr lang="en-US" dirty="0"/>
+              <a:t>NOR</a:t>
+            </a:r>
+          </a:p>
+        </p:txBody>
+      </p:sp>
+      <p:sp>
+        <p:nvSpPr>
+          <p:cNvPr id="128" name="TextBox 127">
+            <a:extLst>
+              <a:ext uri="{FF2B5EF4-FFF2-40B4-BE49-F238E27FC236}">
+                <a16:creationId xmlns:a16="http://schemas.microsoft.com/office/drawing/2014/main" id="{FBDC07BF-AC90-2346-9DD6-C65A09DB926E}"/>
+              </a:ext>
+            </a:extLst>
+          </p:cNvPr>
+          <p:cNvSpPr txBox="1"/>
+          <p:nvPr/>
+        </p:nvSpPr>
+        <p:spPr>
+          <a:xfrm>
+            <a:off x="9105496" y="3535897"/>
+            <a:ext cx="606256" cy="369332"/>
+          </a:xfrm>
+          <a:prstGeom prst="rect">
+            <a:avLst/>
+          </a:prstGeom>
+          <a:noFill/>
+        </p:spPr>
+        <p:txBody>
+          <a:bodyPr wrap="none" rtlCol="0">
+            <a:spAutoFit/>
+          </a:bodyPr>
+          <a:lstStyle/>
+          <a:p>
+            <a:r>
+              <a:rPr lang="en-US" dirty="0"/>
+              <a:t>HOR</a:t>
+            </a:r>
+          </a:p>
+        </p:txBody>
+      </p:sp>
+      <p:sp>
+        <p:nvSpPr>
+          <p:cNvPr id="129" name="TextBox 128">
+            <a:extLst>
+              <a:ext uri="{FF2B5EF4-FFF2-40B4-BE49-F238E27FC236}">
+                <a16:creationId xmlns:a16="http://schemas.microsoft.com/office/drawing/2014/main" id="{601950D0-CCE5-C041-90FF-10D73C050BCB}"/>
+              </a:ext>
+            </a:extLst>
+          </p:cNvPr>
+          <p:cNvSpPr txBox="1"/>
+          <p:nvPr/>
+        </p:nvSpPr>
+        <p:spPr>
+          <a:xfrm>
+            <a:off x="7951526" y="3930306"/>
+            <a:ext cx="1064180" cy="646331"/>
+          </a:xfrm>
+          <a:prstGeom prst="rect">
+            <a:avLst/>
+          </a:prstGeom>
+          <a:noFill/>
+        </p:spPr>
+        <p:txBody>
+          <a:bodyPr wrap="square" rtlCol="0">
+            <a:spAutoFit/>
+          </a:bodyPr>
+          <a:lstStyle/>
+          <a:p>
+            <a:r>
+              <a:rPr lang="en-US" dirty="0"/>
+              <a:t>Hatchery Outplant</a:t>
+            </a:r>
+          </a:p>
+        </p:txBody>
+      </p:sp>
+      <p:sp>
+        <p:nvSpPr>
+          <p:cNvPr id="130" name="TextBox 129">
+            <a:extLst>
+              <a:ext uri="{FF2B5EF4-FFF2-40B4-BE49-F238E27FC236}">
+                <a16:creationId xmlns:a16="http://schemas.microsoft.com/office/drawing/2014/main" id="{9F4F18A6-ABDB-484B-A70A-53957127A22F}"/>
+              </a:ext>
+            </a:extLst>
+          </p:cNvPr>
+          <p:cNvSpPr txBox="1"/>
+          <p:nvPr/>
+        </p:nvSpPr>
+        <p:spPr>
+          <a:xfrm>
+            <a:off x="8071580" y="226054"/>
+            <a:ext cx="824072" cy="369332"/>
+          </a:xfrm>
+          <a:prstGeom prst="rect">
+            <a:avLst/>
+          </a:prstGeom>
+          <a:noFill/>
+        </p:spPr>
+        <p:txBody>
+          <a:bodyPr wrap="none" rtlCol="0">
+            <a:spAutoFit/>
+          </a:bodyPr>
+          <a:lstStyle/>
+          <a:p>
+            <a:r>
+              <a:rPr lang="en-US" u="sng" dirty="0"/>
+              <a:t>Source</a:t>
+            </a:r>
+          </a:p>
+        </p:txBody>
+      </p:sp>
+      <p:sp>
+        <p:nvSpPr>
+          <p:cNvPr id="131" name="TextBox 130">
+            <a:extLst>
+              <a:ext uri="{FF2B5EF4-FFF2-40B4-BE49-F238E27FC236}">
+                <a16:creationId xmlns:a16="http://schemas.microsoft.com/office/drawing/2014/main" id="{2D0C8234-944A-FC4D-9C3F-2ECDF4C52A0D}"/>
+              </a:ext>
+            </a:extLst>
+          </p:cNvPr>
+          <p:cNvSpPr txBox="1"/>
+          <p:nvPr/>
+        </p:nvSpPr>
+        <p:spPr>
+          <a:xfrm>
+            <a:off x="9031758" y="226054"/>
+            <a:ext cx="753732" cy="369332"/>
+          </a:xfrm>
+          <a:prstGeom prst="rect">
+            <a:avLst/>
+          </a:prstGeom>
+          <a:noFill/>
+        </p:spPr>
+        <p:txBody>
+          <a:bodyPr wrap="none" rtlCol="0">
+            <a:spAutoFit/>
+          </a:bodyPr>
+          <a:lstStyle/>
+          <a:p>
+            <a:r>
+              <a:rPr lang="en-US" u="sng" dirty="0"/>
+              <a:t>Origin</a:t>
+            </a:r>
+          </a:p>
+        </p:txBody>
+      </p:sp>
+      <p:sp>
+        <p:nvSpPr>
+          <p:cNvPr id="132" name="TextBox 131">
+            <a:extLst>
+              <a:ext uri="{FF2B5EF4-FFF2-40B4-BE49-F238E27FC236}">
+                <a16:creationId xmlns:a16="http://schemas.microsoft.com/office/drawing/2014/main" id="{D7A42EC5-BC17-D840-88E4-78097F321FBA}"/>
+              </a:ext>
+            </a:extLst>
+          </p:cNvPr>
+          <p:cNvSpPr txBox="1"/>
+          <p:nvPr/>
+        </p:nvSpPr>
+        <p:spPr>
+          <a:xfrm>
+            <a:off x="9842332" y="87555"/>
+            <a:ext cx="982128" cy="646331"/>
+          </a:xfrm>
+          <a:prstGeom prst="rect">
+            <a:avLst/>
+          </a:prstGeom>
+          <a:noFill/>
+        </p:spPr>
+        <p:txBody>
+          <a:bodyPr wrap="none" rtlCol="0">
+            <a:spAutoFit/>
+          </a:bodyPr>
+          <a:lstStyle/>
+          <a:p>
+            <a:pPr algn="ctr"/>
+            <a:r>
+              <a:rPr lang="en-US" u="sng" dirty="0"/>
+              <a:t>Final</a:t>
+            </a:r>
+          </a:p>
+          <a:p>
+            <a:pPr algn="ctr"/>
+            <a:r>
+              <a:rPr lang="en-US" u="sng" dirty="0"/>
+              <a:t>Location</a:t>
+            </a:r>
+          </a:p>
+        </p:txBody>
+      </p:sp>
+      <p:sp>
+        <p:nvSpPr>
+          <p:cNvPr id="133" name="TextBox 132">
+            <a:extLst>
+              <a:ext uri="{FF2B5EF4-FFF2-40B4-BE49-F238E27FC236}">
+                <a16:creationId xmlns:a16="http://schemas.microsoft.com/office/drawing/2014/main" id="{14B900A5-FE35-9247-9718-A18DD9E4DC69}"/>
+              </a:ext>
+            </a:extLst>
+          </p:cNvPr>
+          <p:cNvSpPr txBox="1"/>
+          <p:nvPr/>
+        </p:nvSpPr>
+        <p:spPr>
+          <a:xfrm>
+            <a:off x="9103092" y="1527711"/>
+            <a:ext cx="611065" cy="369332"/>
+          </a:xfrm>
+          <a:prstGeom prst="rect">
+            <a:avLst/>
+          </a:prstGeom>
+          <a:noFill/>
+        </p:spPr>
+        <p:txBody>
+          <a:bodyPr wrap="square" rtlCol="0">
+            <a:spAutoFit/>
+          </a:bodyPr>
+          <a:lstStyle/>
+          <a:p>
+            <a:r>
+              <a:rPr lang="en-US" dirty="0"/>
+              <a:t>NOR</a:t>
+            </a:r>
+          </a:p>
+        </p:txBody>
+      </p:sp>
+      <p:sp>
+        <p:nvSpPr>
+          <p:cNvPr id="134" name="TextBox 133">
+            <a:extLst>
+              <a:ext uri="{FF2B5EF4-FFF2-40B4-BE49-F238E27FC236}">
+                <a16:creationId xmlns:a16="http://schemas.microsoft.com/office/drawing/2014/main" id="{892E94F4-CAA7-5645-BEDA-CD0E3AC0BA65}"/>
+              </a:ext>
+            </a:extLst>
+          </p:cNvPr>
+          <p:cNvSpPr txBox="1"/>
+          <p:nvPr/>
+        </p:nvSpPr>
+        <p:spPr>
+          <a:xfrm>
+            <a:off x="9951369" y="963620"/>
+            <a:ext cx="879472" cy="369332"/>
+          </a:xfrm>
+          <a:prstGeom prst="rect">
+            <a:avLst/>
+          </a:prstGeom>
+          <a:noFill/>
+        </p:spPr>
+        <p:txBody>
+          <a:bodyPr wrap="none" rtlCol="0">
+            <a:spAutoFit/>
+          </a:bodyPr>
+          <a:lstStyle/>
+          <a:p>
+            <a:r>
+              <a:rPr lang="en-US" dirty="0"/>
+              <a:t>Below*</a:t>
+            </a:r>
+          </a:p>
+        </p:txBody>
+      </p:sp>
+      <p:sp>
+        <p:nvSpPr>
+          <p:cNvPr id="135" name="TextBox 134">
+            <a:extLst>
+              <a:ext uri="{FF2B5EF4-FFF2-40B4-BE49-F238E27FC236}">
+                <a16:creationId xmlns:a16="http://schemas.microsoft.com/office/drawing/2014/main" id="{7861D445-6871-1241-830D-ABD5A6DBD2AC}"/>
+              </a:ext>
+            </a:extLst>
+          </p:cNvPr>
+          <p:cNvSpPr txBox="1"/>
+          <p:nvPr/>
+        </p:nvSpPr>
+        <p:spPr>
+          <a:xfrm>
+            <a:off x="9951369" y="1527711"/>
+            <a:ext cx="764055" cy="369332"/>
+          </a:xfrm>
+          <a:prstGeom prst="rect">
+            <a:avLst/>
+          </a:prstGeom>
+          <a:noFill/>
+        </p:spPr>
+        <p:txBody>
+          <a:bodyPr wrap="none" rtlCol="0">
+            <a:spAutoFit/>
+          </a:bodyPr>
+          <a:lstStyle/>
+          <a:p>
+            <a:r>
+              <a:rPr lang="en-US" dirty="0"/>
+              <a:t>Below</a:t>
+            </a:r>
+          </a:p>
+        </p:txBody>
+      </p:sp>
+      <p:sp>
+        <p:nvSpPr>
+          <p:cNvPr id="136" name="TextBox 135">
+            <a:extLst>
+              <a:ext uri="{FF2B5EF4-FFF2-40B4-BE49-F238E27FC236}">
+                <a16:creationId xmlns:a16="http://schemas.microsoft.com/office/drawing/2014/main" id="{468FE2CB-004F-7343-9C27-3B83C2B309B9}"/>
+              </a:ext>
+            </a:extLst>
+          </p:cNvPr>
+          <p:cNvSpPr txBox="1"/>
+          <p:nvPr/>
+        </p:nvSpPr>
+        <p:spPr>
+          <a:xfrm>
+            <a:off x="9944540" y="2108323"/>
+            <a:ext cx="777713" cy="369332"/>
+          </a:xfrm>
+          <a:prstGeom prst="rect">
+            <a:avLst/>
+          </a:prstGeom>
+          <a:noFill/>
+        </p:spPr>
+        <p:txBody>
+          <a:bodyPr wrap="none" rtlCol="0">
+            <a:spAutoFit/>
+          </a:bodyPr>
+          <a:lstStyle/>
+          <a:p>
+            <a:r>
+              <a:rPr lang="en-US" dirty="0"/>
+              <a:t>Above</a:t>
+            </a:r>
+          </a:p>
+        </p:txBody>
+      </p:sp>
+      <p:sp>
+        <p:nvSpPr>
+          <p:cNvPr id="137" name="TextBox 136">
+            <a:extLst>
+              <a:ext uri="{FF2B5EF4-FFF2-40B4-BE49-F238E27FC236}">
+                <a16:creationId xmlns:a16="http://schemas.microsoft.com/office/drawing/2014/main" id="{7B619117-DC95-2C44-A03A-CEA5EBCD0F54}"/>
+              </a:ext>
+            </a:extLst>
+          </p:cNvPr>
+          <p:cNvSpPr txBox="1"/>
+          <p:nvPr/>
+        </p:nvSpPr>
+        <p:spPr>
+          <a:xfrm>
+            <a:off x="9944540" y="3535897"/>
+            <a:ext cx="777713" cy="369332"/>
+          </a:xfrm>
+          <a:prstGeom prst="rect">
+            <a:avLst/>
+          </a:prstGeom>
+          <a:noFill/>
+        </p:spPr>
+        <p:txBody>
+          <a:bodyPr wrap="none" rtlCol="0">
+            <a:spAutoFit/>
+          </a:bodyPr>
+          <a:lstStyle/>
+          <a:p>
+            <a:r>
+              <a:rPr lang="en-US" dirty="0"/>
+              <a:t>Above</a:t>
+            </a:r>
+          </a:p>
+        </p:txBody>
+      </p:sp>
+      <p:sp>
+        <p:nvSpPr>
+          <p:cNvPr id="138" name="TextBox 137">
+            <a:extLst>
+              <a:ext uri="{FF2B5EF4-FFF2-40B4-BE49-F238E27FC236}">
+                <a16:creationId xmlns:a16="http://schemas.microsoft.com/office/drawing/2014/main" id="{374CCAEF-10FE-764D-BA7F-22FF14367549}"/>
+              </a:ext>
+            </a:extLst>
+          </p:cNvPr>
+          <p:cNvSpPr txBox="1"/>
+          <p:nvPr/>
+        </p:nvSpPr>
+        <p:spPr>
+          <a:xfrm>
+            <a:off x="7830681" y="3535897"/>
+            <a:ext cx="1305870" cy="369332"/>
+          </a:xfrm>
+          <a:prstGeom prst="rect">
+            <a:avLst/>
+          </a:prstGeom>
+          <a:noFill/>
+        </p:spPr>
+        <p:txBody>
+          <a:bodyPr wrap="none" rtlCol="0">
+            <a:spAutoFit/>
+          </a:bodyPr>
+          <a:lstStyle/>
+          <a:p>
+            <a:r>
+              <a:rPr lang="en-US" dirty="0"/>
+              <a:t>Cougar Trap</a:t>
+            </a:r>
+          </a:p>
+        </p:txBody>
+      </p:sp>
+      <p:sp>
+        <p:nvSpPr>
+          <p:cNvPr id="139" name="TextBox 138">
+            <a:extLst>
+              <a:ext uri="{FF2B5EF4-FFF2-40B4-BE49-F238E27FC236}">
+                <a16:creationId xmlns:a16="http://schemas.microsoft.com/office/drawing/2014/main" id="{0BF55A34-A356-3344-9D4C-677164EEE9BE}"/>
+              </a:ext>
+            </a:extLst>
+          </p:cNvPr>
+          <p:cNvSpPr txBox="1"/>
+          <p:nvPr/>
+        </p:nvSpPr>
+        <p:spPr>
+          <a:xfrm>
+            <a:off x="7830681" y="2108323"/>
+            <a:ext cx="1305870" cy="369332"/>
+          </a:xfrm>
+          <a:prstGeom prst="rect">
+            <a:avLst/>
+          </a:prstGeom>
+          <a:noFill/>
+        </p:spPr>
+        <p:txBody>
+          <a:bodyPr wrap="none" rtlCol="0">
+            <a:spAutoFit/>
+          </a:bodyPr>
+          <a:lstStyle/>
+          <a:p>
+            <a:r>
+              <a:rPr lang="en-US" dirty="0"/>
+              <a:t>Cougar Trap</a:t>
+            </a:r>
+          </a:p>
+        </p:txBody>
+      </p:sp>
+      <p:sp>
+        <p:nvSpPr>
+          <p:cNvPr id="141" name="TextBox 140">
+            <a:extLst>
+              <a:ext uri="{FF2B5EF4-FFF2-40B4-BE49-F238E27FC236}">
+                <a16:creationId xmlns:a16="http://schemas.microsoft.com/office/drawing/2014/main" id="{69DC39DC-84E6-D241-B003-875FBF7E8EC3}"/>
+              </a:ext>
+            </a:extLst>
+          </p:cNvPr>
+          <p:cNvSpPr txBox="1"/>
+          <p:nvPr/>
+        </p:nvSpPr>
+        <p:spPr>
+          <a:xfrm>
+            <a:off x="118384" y="4576637"/>
+            <a:ext cx="550151" cy="307777"/>
+          </a:xfrm>
+          <a:prstGeom prst="rect">
+            <a:avLst/>
+          </a:prstGeom>
+          <a:noFill/>
+        </p:spPr>
+        <p:txBody>
+          <a:bodyPr wrap="none" rtlCol="0">
+            <a:spAutoFit/>
+          </a:bodyPr>
+          <a:lstStyle/>
+          <a:p>
+            <a:r>
+              <a:rPr lang="en-US" sz="1400" dirty="0"/>
+              <a:t>2007</a:t>
+            </a:r>
+          </a:p>
+        </p:txBody>
+      </p:sp>
+      <p:sp>
+        <p:nvSpPr>
+          <p:cNvPr id="142" name="TextBox 141">
+            <a:extLst>
+              <a:ext uri="{FF2B5EF4-FFF2-40B4-BE49-F238E27FC236}">
+                <a16:creationId xmlns:a16="http://schemas.microsoft.com/office/drawing/2014/main" id="{1A19461C-014F-A14A-BF6E-18CDBDEADC16}"/>
+              </a:ext>
+            </a:extLst>
+          </p:cNvPr>
+          <p:cNvSpPr txBox="1"/>
+          <p:nvPr/>
+        </p:nvSpPr>
+        <p:spPr>
+          <a:xfrm>
+            <a:off x="663059" y="4576637"/>
+            <a:ext cx="550151" cy="307777"/>
+          </a:xfrm>
+          <a:prstGeom prst="rect">
+            <a:avLst/>
+          </a:prstGeom>
+          <a:noFill/>
+        </p:spPr>
+        <p:txBody>
+          <a:bodyPr wrap="none" rtlCol="0">
+            <a:spAutoFit/>
+          </a:bodyPr>
+          <a:lstStyle/>
+          <a:p>
+            <a:r>
+              <a:rPr lang="en-US" sz="1400" dirty="0"/>
+              <a:t>2008</a:t>
+            </a:r>
+          </a:p>
+        </p:txBody>
+      </p:sp>
+      <p:sp>
+        <p:nvSpPr>
+          <p:cNvPr id="143" name="TextBox 142">
+            <a:extLst>
+              <a:ext uri="{FF2B5EF4-FFF2-40B4-BE49-F238E27FC236}">
+                <a16:creationId xmlns:a16="http://schemas.microsoft.com/office/drawing/2014/main" id="{8B1938D8-232B-3F4F-91D2-4BD639FE525E}"/>
+              </a:ext>
+            </a:extLst>
+          </p:cNvPr>
+          <p:cNvSpPr txBox="1"/>
+          <p:nvPr/>
+        </p:nvSpPr>
+        <p:spPr>
+          <a:xfrm>
+            <a:off x="1207734" y="4576637"/>
+            <a:ext cx="550151" cy="307777"/>
+          </a:xfrm>
+          <a:prstGeom prst="rect">
+            <a:avLst/>
+          </a:prstGeom>
+          <a:noFill/>
+        </p:spPr>
+        <p:txBody>
+          <a:bodyPr wrap="none" rtlCol="0">
+            <a:spAutoFit/>
+          </a:bodyPr>
+          <a:lstStyle/>
+          <a:p>
+            <a:r>
+              <a:rPr lang="en-US" sz="1400" dirty="0"/>
+              <a:t>2009</a:t>
+            </a:r>
+          </a:p>
+        </p:txBody>
+      </p:sp>
+      <p:sp>
+        <p:nvSpPr>
+          <p:cNvPr id="144" name="TextBox 143">
+            <a:extLst>
+              <a:ext uri="{FF2B5EF4-FFF2-40B4-BE49-F238E27FC236}">
+                <a16:creationId xmlns:a16="http://schemas.microsoft.com/office/drawing/2014/main" id="{F60EEE6B-1D11-264A-806C-A09857CFFF0B}"/>
+              </a:ext>
+            </a:extLst>
+          </p:cNvPr>
+          <p:cNvSpPr txBox="1"/>
+          <p:nvPr/>
+        </p:nvSpPr>
+        <p:spPr>
+          <a:xfrm>
+            <a:off x="1752409" y="4576637"/>
+            <a:ext cx="550151" cy="307777"/>
+          </a:xfrm>
+          <a:prstGeom prst="rect">
+            <a:avLst/>
+          </a:prstGeom>
+          <a:noFill/>
+        </p:spPr>
+        <p:txBody>
+          <a:bodyPr wrap="none" rtlCol="0">
+            <a:spAutoFit/>
+          </a:bodyPr>
+          <a:lstStyle/>
+          <a:p>
+            <a:r>
+              <a:rPr lang="en-US" sz="1400" dirty="0"/>
+              <a:t>2010</a:t>
+            </a:r>
+          </a:p>
+        </p:txBody>
+      </p:sp>
+      <p:sp>
+        <p:nvSpPr>
+          <p:cNvPr id="145" name="TextBox 144">
+            <a:extLst>
+              <a:ext uri="{FF2B5EF4-FFF2-40B4-BE49-F238E27FC236}">
+                <a16:creationId xmlns:a16="http://schemas.microsoft.com/office/drawing/2014/main" id="{BC05959A-B4BE-654A-8339-79ACCD0A8426}"/>
+              </a:ext>
+            </a:extLst>
+          </p:cNvPr>
+          <p:cNvSpPr txBox="1"/>
+          <p:nvPr/>
+        </p:nvSpPr>
+        <p:spPr>
+          <a:xfrm>
+            <a:off x="2297084" y="4576637"/>
+            <a:ext cx="550151" cy="307777"/>
+          </a:xfrm>
+          <a:prstGeom prst="rect">
+            <a:avLst/>
+          </a:prstGeom>
+          <a:noFill/>
+        </p:spPr>
+        <p:txBody>
+          <a:bodyPr wrap="none" rtlCol="0">
+            <a:spAutoFit/>
+          </a:bodyPr>
+          <a:lstStyle/>
+          <a:p>
+            <a:r>
+              <a:rPr lang="en-US" sz="1400" dirty="0"/>
+              <a:t>2011</a:t>
+            </a:r>
+          </a:p>
+        </p:txBody>
+      </p:sp>
+      <p:sp>
+        <p:nvSpPr>
+          <p:cNvPr id="146" name="TextBox 145">
+            <a:extLst>
+              <a:ext uri="{FF2B5EF4-FFF2-40B4-BE49-F238E27FC236}">
+                <a16:creationId xmlns:a16="http://schemas.microsoft.com/office/drawing/2014/main" id="{8E7E1C7A-6A18-E54D-8A4A-8228149E4FA6}"/>
+              </a:ext>
+            </a:extLst>
+          </p:cNvPr>
+          <p:cNvSpPr txBox="1"/>
+          <p:nvPr/>
+        </p:nvSpPr>
+        <p:spPr>
+          <a:xfrm>
+            <a:off x="2841759" y="4576637"/>
+            <a:ext cx="550151" cy="307777"/>
+          </a:xfrm>
+          <a:prstGeom prst="rect">
+            <a:avLst/>
+          </a:prstGeom>
+          <a:noFill/>
+        </p:spPr>
+        <p:txBody>
+          <a:bodyPr wrap="none" rtlCol="0">
+            <a:spAutoFit/>
+          </a:bodyPr>
+          <a:lstStyle/>
+          <a:p>
+            <a:r>
+              <a:rPr lang="en-US" sz="1400" dirty="0"/>
+              <a:t>2012</a:t>
+            </a:r>
+          </a:p>
+        </p:txBody>
+      </p:sp>
+      <p:sp>
+        <p:nvSpPr>
+          <p:cNvPr id="147" name="TextBox 146">
+            <a:extLst>
+              <a:ext uri="{FF2B5EF4-FFF2-40B4-BE49-F238E27FC236}">
+                <a16:creationId xmlns:a16="http://schemas.microsoft.com/office/drawing/2014/main" id="{C813B487-4A2A-5E48-849D-268729AA0CED}"/>
+              </a:ext>
+            </a:extLst>
+          </p:cNvPr>
+          <p:cNvSpPr txBox="1"/>
+          <p:nvPr/>
+        </p:nvSpPr>
+        <p:spPr>
+          <a:xfrm>
+            <a:off x="3386434" y="4576637"/>
+            <a:ext cx="550151" cy="307777"/>
+          </a:xfrm>
+          <a:prstGeom prst="rect">
+            <a:avLst/>
+          </a:prstGeom>
+          <a:noFill/>
+        </p:spPr>
+        <p:txBody>
+          <a:bodyPr wrap="none" rtlCol="0">
+            <a:spAutoFit/>
+          </a:bodyPr>
+          <a:lstStyle/>
+          <a:p>
+            <a:r>
+              <a:rPr lang="en-US" sz="1400" dirty="0"/>
+              <a:t>2013</a:t>
+            </a:r>
+          </a:p>
+        </p:txBody>
+      </p:sp>
+      <p:sp>
+        <p:nvSpPr>
+          <p:cNvPr id="148" name="TextBox 147">
+            <a:extLst>
+              <a:ext uri="{FF2B5EF4-FFF2-40B4-BE49-F238E27FC236}">
+                <a16:creationId xmlns:a16="http://schemas.microsoft.com/office/drawing/2014/main" id="{FD6F7856-36D3-B14A-94D8-66012921335C}"/>
+              </a:ext>
+            </a:extLst>
+          </p:cNvPr>
+          <p:cNvSpPr txBox="1"/>
+          <p:nvPr/>
+        </p:nvSpPr>
+        <p:spPr>
+          <a:xfrm>
+            <a:off x="3931109" y="4576637"/>
+            <a:ext cx="550151" cy="307777"/>
+          </a:xfrm>
+          <a:prstGeom prst="rect">
+            <a:avLst/>
+          </a:prstGeom>
+          <a:noFill/>
+        </p:spPr>
+        <p:txBody>
+          <a:bodyPr wrap="none" rtlCol="0">
+            <a:spAutoFit/>
+          </a:bodyPr>
+          <a:lstStyle/>
+          <a:p>
+            <a:r>
+              <a:rPr lang="en-US" sz="1400" dirty="0"/>
+              <a:t>2014</a:t>
+            </a:r>
+          </a:p>
+        </p:txBody>
+      </p:sp>
+      <p:sp>
+        <p:nvSpPr>
+          <p:cNvPr id="149" name="TextBox 148">
+            <a:extLst>
+              <a:ext uri="{FF2B5EF4-FFF2-40B4-BE49-F238E27FC236}">
+                <a16:creationId xmlns:a16="http://schemas.microsoft.com/office/drawing/2014/main" id="{EB5C5AD8-A724-2442-A7AA-395471411C66}"/>
+              </a:ext>
+            </a:extLst>
+          </p:cNvPr>
+          <p:cNvSpPr txBox="1"/>
+          <p:nvPr/>
+        </p:nvSpPr>
+        <p:spPr>
+          <a:xfrm>
+            <a:off x="4475784" y="4576637"/>
+            <a:ext cx="550151" cy="307777"/>
+          </a:xfrm>
+          <a:prstGeom prst="rect">
+            <a:avLst/>
+          </a:prstGeom>
+          <a:noFill/>
+        </p:spPr>
+        <p:txBody>
+          <a:bodyPr wrap="none" rtlCol="0">
+            <a:spAutoFit/>
+          </a:bodyPr>
+          <a:lstStyle/>
+          <a:p>
+            <a:r>
+              <a:rPr lang="en-US" sz="1400" dirty="0"/>
+              <a:t>2015</a:t>
+            </a:r>
+          </a:p>
+        </p:txBody>
+      </p:sp>
+      <p:sp>
+        <p:nvSpPr>
+          <p:cNvPr id="150" name="TextBox 149">
+            <a:extLst>
+              <a:ext uri="{FF2B5EF4-FFF2-40B4-BE49-F238E27FC236}">
+                <a16:creationId xmlns:a16="http://schemas.microsoft.com/office/drawing/2014/main" id="{778D0104-3808-8046-A6A7-F271B40D6FD1}"/>
+              </a:ext>
+            </a:extLst>
+          </p:cNvPr>
+          <p:cNvSpPr txBox="1"/>
+          <p:nvPr/>
+        </p:nvSpPr>
+        <p:spPr>
+          <a:xfrm>
+            <a:off x="5020459" y="4576637"/>
+            <a:ext cx="550151" cy="307777"/>
+          </a:xfrm>
+          <a:prstGeom prst="rect">
+            <a:avLst/>
+          </a:prstGeom>
+          <a:noFill/>
+        </p:spPr>
+        <p:txBody>
+          <a:bodyPr wrap="none" rtlCol="0">
+            <a:spAutoFit/>
+          </a:bodyPr>
+          <a:lstStyle/>
+          <a:p>
+            <a:r>
+              <a:rPr lang="en-US" sz="1400" dirty="0"/>
+              <a:t>2016</a:t>
+            </a:r>
+          </a:p>
+        </p:txBody>
+      </p:sp>
+      <p:sp>
+        <p:nvSpPr>
+          <p:cNvPr id="151" name="TextBox 150">
+            <a:extLst>
+              <a:ext uri="{FF2B5EF4-FFF2-40B4-BE49-F238E27FC236}">
+                <a16:creationId xmlns:a16="http://schemas.microsoft.com/office/drawing/2014/main" id="{39B3105A-747F-D545-961B-F322F6EC792A}"/>
+              </a:ext>
+            </a:extLst>
+          </p:cNvPr>
+          <p:cNvSpPr txBox="1"/>
+          <p:nvPr/>
+        </p:nvSpPr>
+        <p:spPr>
+          <a:xfrm>
+            <a:off x="5565134" y="4576637"/>
+            <a:ext cx="550151" cy="307777"/>
+          </a:xfrm>
+          <a:prstGeom prst="rect">
+            <a:avLst/>
+          </a:prstGeom>
+          <a:noFill/>
+        </p:spPr>
+        <p:txBody>
+          <a:bodyPr wrap="none" rtlCol="0">
+            <a:spAutoFit/>
+          </a:bodyPr>
+          <a:lstStyle/>
+          <a:p>
+            <a:r>
+              <a:rPr lang="en-US" sz="1400" dirty="0"/>
+              <a:t>2017</a:t>
+            </a:r>
+          </a:p>
+        </p:txBody>
+      </p:sp>
+      <p:sp>
+        <p:nvSpPr>
+          <p:cNvPr id="152" name="TextBox 151">
+            <a:extLst>
+              <a:ext uri="{FF2B5EF4-FFF2-40B4-BE49-F238E27FC236}">
+                <a16:creationId xmlns:a16="http://schemas.microsoft.com/office/drawing/2014/main" id="{5B2C5D8E-AAAF-9B43-9BC8-744597792CC4}"/>
+              </a:ext>
+            </a:extLst>
+          </p:cNvPr>
+          <p:cNvSpPr txBox="1"/>
+          <p:nvPr/>
+        </p:nvSpPr>
+        <p:spPr>
+          <a:xfrm>
+            <a:off x="6109809" y="4576637"/>
+            <a:ext cx="550151" cy="307777"/>
+          </a:xfrm>
+          <a:prstGeom prst="rect">
+            <a:avLst/>
+          </a:prstGeom>
+          <a:noFill/>
+        </p:spPr>
+        <p:txBody>
+          <a:bodyPr wrap="none" rtlCol="0">
+            <a:spAutoFit/>
+          </a:bodyPr>
+          <a:lstStyle/>
+          <a:p>
+            <a:r>
+              <a:rPr lang="en-US" sz="1400" dirty="0"/>
+              <a:t>2018</a:t>
+            </a:r>
+          </a:p>
+        </p:txBody>
+      </p:sp>
+      <p:sp>
+        <p:nvSpPr>
+          <p:cNvPr id="158" name="TextBox 157">
+            <a:extLst>
+              <a:ext uri="{FF2B5EF4-FFF2-40B4-BE49-F238E27FC236}">
+                <a16:creationId xmlns:a16="http://schemas.microsoft.com/office/drawing/2014/main" id="{66B6E67C-91D8-6645-82E9-A0EC9C48B059}"/>
+              </a:ext>
+            </a:extLst>
+          </p:cNvPr>
+          <p:cNvSpPr txBox="1"/>
+          <p:nvPr/>
+        </p:nvSpPr>
+        <p:spPr>
+          <a:xfrm>
+            <a:off x="6654484" y="4576637"/>
+            <a:ext cx="550151" cy="307777"/>
+          </a:xfrm>
+          <a:prstGeom prst="rect">
+            <a:avLst/>
+          </a:prstGeom>
+          <a:noFill/>
+        </p:spPr>
+        <p:txBody>
+          <a:bodyPr wrap="none" rtlCol="0">
+            <a:spAutoFit/>
+          </a:bodyPr>
+          <a:lstStyle/>
+          <a:p>
+            <a:r>
+              <a:rPr lang="en-US" sz="1400" dirty="0"/>
+              <a:t>2019</a:t>
+            </a:r>
+          </a:p>
+        </p:txBody>
+      </p:sp>
+      <p:sp>
+        <p:nvSpPr>
+          <p:cNvPr id="159" name="TextBox 158">
+            <a:extLst>
+              <a:ext uri="{FF2B5EF4-FFF2-40B4-BE49-F238E27FC236}">
+                <a16:creationId xmlns:a16="http://schemas.microsoft.com/office/drawing/2014/main" id="{73E10B66-011D-0845-B8A1-C1CEC1449625}"/>
+              </a:ext>
+            </a:extLst>
+          </p:cNvPr>
+          <p:cNvSpPr txBox="1"/>
+          <p:nvPr/>
+        </p:nvSpPr>
+        <p:spPr>
+          <a:xfrm>
+            <a:off x="7199160" y="4576637"/>
+            <a:ext cx="550151" cy="307777"/>
+          </a:xfrm>
+          <a:prstGeom prst="rect">
+            <a:avLst/>
+          </a:prstGeom>
+          <a:noFill/>
+        </p:spPr>
+        <p:txBody>
+          <a:bodyPr wrap="none" rtlCol="0">
+            <a:spAutoFit/>
+          </a:bodyPr>
+          <a:lstStyle/>
+          <a:p>
+            <a:r>
+              <a:rPr lang="en-US" sz="1400" dirty="0"/>
+              <a:t>2020</a:t>
+            </a:r>
+          </a:p>
+        </p:txBody>
+      </p:sp>
+      <p:sp>
+        <p:nvSpPr>
+          <p:cNvPr id="160" name="TextBox 159">
+            <a:extLst>
+              <a:ext uri="{FF2B5EF4-FFF2-40B4-BE49-F238E27FC236}">
+                <a16:creationId xmlns:a16="http://schemas.microsoft.com/office/drawing/2014/main" id="{15EBF5CC-BE0A-DC41-980F-DF756702958A}"/>
+              </a:ext>
+            </a:extLst>
+          </p:cNvPr>
+          <p:cNvSpPr txBox="1"/>
+          <p:nvPr/>
+        </p:nvSpPr>
+        <p:spPr>
+          <a:xfrm>
+            <a:off x="9105496" y="4060389"/>
+            <a:ext cx="606256" cy="369332"/>
+          </a:xfrm>
+          <a:prstGeom prst="rect">
+            <a:avLst/>
+          </a:prstGeom>
+          <a:noFill/>
+        </p:spPr>
+        <p:txBody>
+          <a:bodyPr wrap="none" rtlCol="0">
+            <a:spAutoFit/>
+          </a:bodyPr>
+          <a:lstStyle/>
+          <a:p>
+            <a:r>
+              <a:rPr lang="en-US" dirty="0"/>
+              <a:t>HOR</a:t>
+            </a:r>
+          </a:p>
+        </p:txBody>
+      </p:sp>
+      <p:sp>
+        <p:nvSpPr>
+          <p:cNvPr id="161" name="TextBox 160">
+            <a:extLst>
+              <a:ext uri="{FF2B5EF4-FFF2-40B4-BE49-F238E27FC236}">
+                <a16:creationId xmlns:a16="http://schemas.microsoft.com/office/drawing/2014/main" id="{3F89065A-6E4D-214D-AB61-1D4CFD12BBEF}"/>
+              </a:ext>
+            </a:extLst>
+          </p:cNvPr>
+          <p:cNvSpPr txBox="1"/>
+          <p:nvPr/>
+        </p:nvSpPr>
+        <p:spPr>
+          <a:xfrm>
+            <a:off x="9944540" y="4060389"/>
+            <a:ext cx="777713" cy="369332"/>
+          </a:xfrm>
+          <a:prstGeom prst="rect">
+            <a:avLst/>
+          </a:prstGeom>
+          <a:noFill/>
+        </p:spPr>
+        <p:txBody>
+          <a:bodyPr wrap="none" rtlCol="0">
+            <a:spAutoFit/>
+          </a:bodyPr>
+          <a:lstStyle/>
+          <a:p>
+            <a:r>
+              <a:rPr lang="en-US" dirty="0"/>
+              <a:t>Above</a:t>
+            </a:r>
+          </a:p>
+        </p:txBody>
+      </p:sp>
+      <p:sp>
+        <p:nvSpPr>
+          <p:cNvPr id="162" name="TextBox 161">
+            <a:extLst>
+              <a:ext uri="{FF2B5EF4-FFF2-40B4-BE49-F238E27FC236}">
+                <a16:creationId xmlns:a16="http://schemas.microsoft.com/office/drawing/2014/main" id="{2EF3B745-25B2-344E-BD8B-DA96BC8F96FF}"/>
+              </a:ext>
+            </a:extLst>
+          </p:cNvPr>
+          <p:cNvSpPr txBox="1"/>
+          <p:nvPr/>
+        </p:nvSpPr>
+        <p:spPr>
+          <a:xfrm>
+            <a:off x="268014" y="5880538"/>
+            <a:ext cx="5515421" cy="369332"/>
+          </a:xfrm>
+          <a:prstGeom prst="rect">
+            <a:avLst/>
+          </a:prstGeom>
+          <a:noFill/>
+        </p:spPr>
+        <p:txBody>
+          <a:bodyPr wrap="none" rtlCol="0">
+            <a:spAutoFit/>
+          </a:bodyPr>
+          <a:lstStyle/>
+          <a:p>
+            <a:r>
+              <a:rPr lang="en-US" dirty="0"/>
+              <a:t>Assignment Data Structure /  Offspring Year Level Results</a:t>
+            </a:r>
+          </a:p>
+        </p:txBody>
+      </p:sp>
+      <p:sp>
+        <p:nvSpPr>
+          <p:cNvPr id="112" name="TextBox 111">
+            <a:extLst>
+              <a:ext uri="{FF2B5EF4-FFF2-40B4-BE49-F238E27FC236}">
+                <a16:creationId xmlns:a16="http://schemas.microsoft.com/office/drawing/2014/main" id="{BF61E242-2F4C-A540-9CA5-E649BBFE4E3D}"/>
+              </a:ext>
+            </a:extLst>
+          </p:cNvPr>
+          <p:cNvSpPr txBox="1"/>
+          <p:nvPr/>
+        </p:nvSpPr>
+        <p:spPr>
+          <a:xfrm>
+            <a:off x="3434153" y="4094685"/>
+            <a:ext cx="458780" cy="307777"/>
+          </a:xfrm>
+          <a:prstGeom prst="rect">
+            <a:avLst/>
+          </a:prstGeom>
+          <a:noFill/>
+        </p:spPr>
+        <p:txBody>
+          <a:bodyPr wrap="none" rtlCol="0">
+            <a:spAutoFit/>
+          </a:bodyPr>
+          <a:lstStyle/>
+          <a:p>
+            <a:pPr algn="ctr"/>
+            <a:r>
+              <a:rPr lang="en-US" sz="1400" dirty="0"/>
+              <a:t>440</a:t>
+            </a:r>
+          </a:p>
+        </p:txBody>
+      </p:sp>
+      <p:sp>
+        <p:nvSpPr>
+          <p:cNvPr id="119" name="TextBox 118">
+            <a:extLst>
+              <a:ext uri="{FF2B5EF4-FFF2-40B4-BE49-F238E27FC236}">
+                <a16:creationId xmlns:a16="http://schemas.microsoft.com/office/drawing/2014/main" id="{DD7CC96C-8F16-5645-90B9-6C8833023DDC}"/>
+              </a:ext>
+            </a:extLst>
+          </p:cNvPr>
+          <p:cNvSpPr txBox="1"/>
+          <p:nvPr/>
+        </p:nvSpPr>
+        <p:spPr>
+          <a:xfrm>
+            <a:off x="3478439" y="3572861"/>
+            <a:ext cx="367408" cy="307777"/>
+          </a:xfrm>
+          <a:prstGeom prst="rect">
+            <a:avLst/>
+          </a:prstGeom>
+          <a:noFill/>
+        </p:spPr>
+        <p:txBody>
+          <a:bodyPr wrap="none" rtlCol="0">
+            <a:spAutoFit/>
+          </a:bodyPr>
+          <a:lstStyle/>
+          <a:p>
+            <a:pPr algn="ctr"/>
+            <a:r>
+              <a:rPr lang="en-US" sz="1400" dirty="0"/>
+              <a:t>15</a:t>
+            </a:r>
+          </a:p>
+        </p:txBody>
+      </p:sp>
+      <p:sp>
+        <p:nvSpPr>
+          <p:cNvPr id="164" name="TextBox 163">
+            <a:extLst>
+              <a:ext uri="{FF2B5EF4-FFF2-40B4-BE49-F238E27FC236}">
+                <a16:creationId xmlns:a16="http://schemas.microsoft.com/office/drawing/2014/main" id="{37496116-A4C5-514C-8306-2A4404E7303C}"/>
+              </a:ext>
+            </a:extLst>
+          </p:cNvPr>
+          <p:cNvSpPr txBox="1"/>
+          <p:nvPr/>
+        </p:nvSpPr>
+        <p:spPr>
+          <a:xfrm>
+            <a:off x="3438858" y="2138063"/>
+            <a:ext cx="458780" cy="307777"/>
+          </a:xfrm>
+          <a:prstGeom prst="rect">
+            <a:avLst/>
+          </a:prstGeom>
+          <a:noFill/>
+        </p:spPr>
+        <p:txBody>
+          <a:bodyPr wrap="none" rtlCol="0">
+            <a:spAutoFit/>
+          </a:bodyPr>
+          <a:lstStyle/>
+          <a:p>
+            <a:pPr algn="ctr"/>
+            <a:r>
+              <a:rPr lang="en-US" sz="1400" dirty="0"/>
+              <a:t>172</a:t>
+            </a:r>
+          </a:p>
+        </p:txBody>
+      </p:sp>
+      <p:sp>
+        <p:nvSpPr>
+          <p:cNvPr id="18" name="TextBox 17">
+            <a:extLst>
+              <a:ext uri="{FF2B5EF4-FFF2-40B4-BE49-F238E27FC236}">
+                <a16:creationId xmlns:a16="http://schemas.microsoft.com/office/drawing/2014/main" id="{FC45587B-4C53-EA4A-B794-A3B8B90A987C}"/>
+              </a:ext>
+            </a:extLst>
+          </p:cNvPr>
+          <p:cNvSpPr txBox="1"/>
+          <p:nvPr/>
+        </p:nvSpPr>
+        <p:spPr>
+          <a:xfrm>
+            <a:off x="1448790" y="463138"/>
+            <a:ext cx="184731" cy="369332"/>
+          </a:xfrm>
+          <a:prstGeom prst="rect">
+            <a:avLst/>
+          </a:prstGeom>
+          <a:noFill/>
+        </p:spPr>
+        <p:txBody>
+          <a:bodyPr wrap="none" rtlCol="0">
+            <a:spAutoFit/>
+          </a:bodyPr>
+          <a:lstStyle/>
+          <a:p>
+            <a:endParaRPr lang="en-US" dirty="0"/>
+          </a:p>
+        </p:txBody>
+      </p:sp>
+      <p:sp>
+        <p:nvSpPr>
+          <p:cNvPr id="173" name="Rounded Rectangle 172">
+            <a:extLst>
+              <a:ext uri="{FF2B5EF4-FFF2-40B4-BE49-F238E27FC236}">
+                <a16:creationId xmlns:a16="http://schemas.microsoft.com/office/drawing/2014/main" id="{C67D8C9F-969A-384C-9379-6C2847921696}"/>
+              </a:ext>
+            </a:extLst>
+          </p:cNvPr>
+          <p:cNvSpPr/>
+          <p:nvPr/>
+        </p:nvSpPr>
+        <p:spPr>
+          <a:xfrm>
+            <a:off x="5028569" y="850827"/>
+            <a:ext cx="2186140" cy="1752373"/>
+          </a:xfrm>
+          <a:prstGeom prst="roundRect">
+            <a:avLst/>
+          </a:prstGeom>
+          <a:noFill/>
+          <a:ln w="28575">
+            <a:solidFill>
+              <a:schemeClr val="tx1"/>
+            </a:solidFill>
+          </a:ln>
+        </p:spPr>
+        <p:style>
+          <a:lnRef idx="2">
+            <a:schemeClr val="accent1">
+              <a:shade val="50000"/>
+            </a:schemeClr>
+          </a:lnRef>
+          <a:fillRef idx="1">
+            <a:schemeClr val="accent1"/>
+          </a:fillRef>
+          <a:effectRef idx="0">
+            <a:schemeClr val="accent1"/>
+          </a:effectRef>
+          <a:fontRef idx="minor">
+            <a:schemeClr val="lt1"/>
+          </a:fontRef>
+        </p:style>
+        <p:txBody>
+          <a:bodyPr rtlCol="0" anchor="ctr"/>
+          <a:lstStyle/>
+          <a:p>
+            <a:pPr algn="ctr"/>
+            <a:endParaRPr lang="en-US"/>
+          </a:p>
+        </p:txBody>
+      </p:sp>
+      <p:sp>
+        <p:nvSpPr>
+          <p:cNvPr id="178" name="Rounded Rectangle 177">
+            <a:extLst>
+              <a:ext uri="{FF2B5EF4-FFF2-40B4-BE49-F238E27FC236}">
+                <a16:creationId xmlns:a16="http://schemas.microsoft.com/office/drawing/2014/main" id="{B0E92B43-1BFC-C74A-815C-C0807819F804}"/>
+              </a:ext>
+            </a:extLst>
+          </p:cNvPr>
+          <p:cNvSpPr/>
+          <p:nvPr/>
+        </p:nvSpPr>
+        <p:spPr>
+          <a:xfrm>
+            <a:off x="3392459" y="1998810"/>
+            <a:ext cx="535713" cy="2565909"/>
+          </a:xfrm>
+          <a:prstGeom prst="roundRect">
+            <a:avLst/>
+          </a:prstGeom>
+          <a:noFill/>
+          <a:ln w="28575">
+            <a:solidFill>
+              <a:schemeClr val="tx1"/>
+            </a:solidFill>
+            <a:prstDash val="sysDash"/>
+          </a:ln>
+        </p:spPr>
+        <p:style>
+          <a:lnRef idx="2">
+            <a:schemeClr val="accent1">
+              <a:shade val="50000"/>
+            </a:schemeClr>
+          </a:lnRef>
+          <a:fillRef idx="1">
+            <a:schemeClr val="accent1"/>
+          </a:fillRef>
+          <a:effectRef idx="0">
+            <a:schemeClr val="accent1"/>
+          </a:effectRef>
+          <a:fontRef idx="minor">
+            <a:schemeClr val="lt1"/>
+          </a:fontRef>
+        </p:style>
+        <p:txBody>
+          <a:bodyPr rtlCol="0" anchor="ctr"/>
+          <a:lstStyle/>
+          <a:p>
+            <a:pPr algn="ctr"/>
+            <a:endParaRPr lang="en-US"/>
+          </a:p>
+        </p:txBody>
+      </p:sp>
+      <p:grpSp>
+        <p:nvGrpSpPr>
+          <p:cNvPr id="180" name="Group 179">
+            <a:extLst>
+              <a:ext uri="{FF2B5EF4-FFF2-40B4-BE49-F238E27FC236}">
+                <a16:creationId xmlns:a16="http://schemas.microsoft.com/office/drawing/2014/main" id="{5A014A7D-61C5-7E46-A1FF-F4133A28D643}"/>
+              </a:ext>
+            </a:extLst>
+          </p:cNvPr>
+          <p:cNvGrpSpPr/>
+          <p:nvPr/>
+        </p:nvGrpSpPr>
+        <p:grpSpPr>
+          <a:xfrm rot="10800000">
+            <a:off x="3677733" y="2389912"/>
+            <a:ext cx="3257617" cy="1342977"/>
+            <a:chOff x="961111" y="2343334"/>
+            <a:chExt cx="3257617" cy="1342977"/>
+          </a:xfrm>
+        </p:grpSpPr>
+        <p:sp>
+          <p:nvSpPr>
+            <p:cNvPr id="181" name="Arc 180">
+              <a:extLst>
+                <a:ext uri="{FF2B5EF4-FFF2-40B4-BE49-F238E27FC236}">
+                  <a16:creationId xmlns:a16="http://schemas.microsoft.com/office/drawing/2014/main" id="{31499E2D-4A37-6D4D-9F94-530C3EA21A09}"/>
+                </a:ext>
+              </a:extLst>
+            </p:cNvPr>
+            <p:cNvSpPr/>
+            <p:nvPr/>
+          </p:nvSpPr>
+          <p:spPr>
+            <a:xfrm rot="5400000">
+              <a:off x="3535976" y="2343334"/>
+              <a:ext cx="682752" cy="682752"/>
+            </a:xfrm>
+            <a:prstGeom prst="arc">
+              <a:avLst/>
+            </a:prstGeom>
+            <a:ln w="28575">
+              <a:solidFill>
+                <a:schemeClr val="tx1"/>
+              </a:solidFill>
+              <a:headEnd type="triangle" w="med" len="med"/>
+              <a:tailEnd type="none" w="med" len="med"/>
+            </a:ln>
+          </p:spPr>
+          <p:style>
+            <a:lnRef idx="1">
+              <a:schemeClr val="accent1"/>
+            </a:lnRef>
+            <a:fillRef idx="0">
+              <a:schemeClr val="accent1"/>
+            </a:fillRef>
+            <a:effectRef idx="0">
+              <a:schemeClr val="accent1"/>
+            </a:effectRef>
+            <a:fontRef idx="minor">
+              <a:schemeClr val="tx1"/>
+            </a:fontRef>
+          </p:style>
+          <p:txBody>
+            <a:bodyPr rtlCol="0" anchor="ctr"/>
+            <a:lstStyle/>
+            <a:p>
+              <a:pPr algn="ctr"/>
+              <a:endParaRPr lang="en-US"/>
+            </a:p>
+          </p:txBody>
+        </p:sp>
+        <p:sp>
+          <p:nvSpPr>
+            <p:cNvPr id="192" name="Arc 191">
+              <a:extLst>
+                <a:ext uri="{FF2B5EF4-FFF2-40B4-BE49-F238E27FC236}">
+                  <a16:creationId xmlns:a16="http://schemas.microsoft.com/office/drawing/2014/main" id="{FB0931BA-11A9-0645-B5C2-45334563F731}"/>
+                </a:ext>
+              </a:extLst>
+            </p:cNvPr>
+            <p:cNvSpPr/>
+            <p:nvPr/>
+          </p:nvSpPr>
+          <p:spPr>
+            <a:xfrm rot="16200000">
+              <a:off x="2576171" y="3026760"/>
+              <a:ext cx="659551" cy="659551"/>
+            </a:xfrm>
+            <a:prstGeom prst="arc">
+              <a:avLst/>
+            </a:prstGeom>
+            <a:ln w="28575">
+              <a:solidFill>
+                <a:schemeClr val="tx1"/>
+              </a:solidFill>
+              <a:headEnd type="none" w="med" len="med"/>
+              <a:tailEnd type="none" w="med" len="med"/>
+            </a:ln>
+          </p:spPr>
+          <p:style>
+            <a:lnRef idx="1">
+              <a:schemeClr val="accent1"/>
+            </a:lnRef>
+            <a:fillRef idx="0">
+              <a:schemeClr val="accent1"/>
+            </a:fillRef>
+            <a:effectRef idx="0">
+              <a:schemeClr val="accent1"/>
+            </a:effectRef>
+            <a:fontRef idx="minor">
+              <a:schemeClr val="tx1"/>
+            </a:fontRef>
+          </p:style>
+          <p:txBody>
+            <a:bodyPr rtlCol="0" anchor="ctr"/>
+            <a:lstStyle/>
+            <a:p>
+              <a:pPr algn="ctr"/>
+              <a:endParaRPr lang="en-US"/>
+            </a:p>
+          </p:txBody>
+        </p:sp>
+        <p:sp>
+          <p:nvSpPr>
+            <p:cNvPr id="193" name="Arc 192">
+              <a:extLst>
+                <a:ext uri="{FF2B5EF4-FFF2-40B4-BE49-F238E27FC236}">
+                  <a16:creationId xmlns:a16="http://schemas.microsoft.com/office/drawing/2014/main" id="{AE135D05-DF95-4A4E-BAE9-7AF84505A268}"/>
+                </a:ext>
+              </a:extLst>
+            </p:cNvPr>
+            <p:cNvSpPr/>
+            <p:nvPr/>
+          </p:nvSpPr>
+          <p:spPr>
+            <a:xfrm rot="16200000">
+              <a:off x="2035105" y="3023120"/>
+              <a:ext cx="659551" cy="659551"/>
+            </a:xfrm>
+            <a:prstGeom prst="arc">
+              <a:avLst/>
+            </a:prstGeom>
+            <a:ln w="28575">
+              <a:solidFill>
+                <a:schemeClr val="tx1"/>
+              </a:solidFill>
+              <a:headEnd type="none" w="med" len="med"/>
+              <a:tailEnd type="none" w="med" len="med"/>
+            </a:ln>
+          </p:spPr>
+          <p:style>
+            <a:lnRef idx="1">
+              <a:schemeClr val="accent1"/>
+            </a:lnRef>
+            <a:fillRef idx="0">
+              <a:schemeClr val="accent1"/>
+            </a:fillRef>
+            <a:effectRef idx="0">
+              <a:schemeClr val="accent1"/>
+            </a:effectRef>
+            <a:fontRef idx="minor">
+              <a:schemeClr val="tx1"/>
+            </a:fontRef>
+          </p:style>
+          <p:txBody>
+            <a:bodyPr rtlCol="0" anchor="ctr"/>
+            <a:lstStyle/>
+            <a:p>
+              <a:pPr algn="ctr"/>
+              <a:endParaRPr lang="en-US"/>
+            </a:p>
+          </p:txBody>
+        </p:sp>
+        <p:sp>
+          <p:nvSpPr>
+            <p:cNvPr id="194" name="Arc 193">
+              <a:extLst>
+                <a:ext uri="{FF2B5EF4-FFF2-40B4-BE49-F238E27FC236}">
+                  <a16:creationId xmlns:a16="http://schemas.microsoft.com/office/drawing/2014/main" id="{49909A4F-542D-EA42-9118-ECD2CF6A46FA}"/>
+                </a:ext>
+              </a:extLst>
+            </p:cNvPr>
+            <p:cNvSpPr/>
+            <p:nvPr/>
+          </p:nvSpPr>
+          <p:spPr>
+            <a:xfrm rot="16200000">
+              <a:off x="1484093" y="3024489"/>
+              <a:ext cx="659551" cy="659551"/>
+            </a:xfrm>
+            <a:prstGeom prst="arc">
+              <a:avLst/>
+            </a:prstGeom>
+            <a:ln w="28575">
+              <a:solidFill>
+                <a:schemeClr val="tx1"/>
+              </a:solidFill>
+              <a:headEnd type="none" w="med" len="med"/>
+              <a:tailEnd type="none" w="med" len="med"/>
+            </a:ln>
+          </p:spPr>
+          <p:style>
+            <a:lnRef idx="1">
+              <a:schemeClr val="accent1"/>
+            </a:lnRef>
+            <a:fillRef idx="0">
+              <a:schemeClr val="accent1"/>
+            </a:fillRef>
+            <a:effectRef idx="0">
+              <a:schemeClr val="accent1"/>
+            </a:effectRef>
+            <a:fontRef idx="minor">
+              <a:schemeClr val="tx1"/>
+            </a:fontRef>
+          </p:style>
+          <p:txBody>
+            <a:bodyPr rtlCol="0" anchor="ctr"/>
+            <a:lstStyle/>
+            <a:p>
+              <a:pPr algn="ctr"/>
+              <a:endParaRPr lang="en-US"/>
+            </a:p>
+          </p:txBody>
+        </p:sp>
+        <p:sp>
+          <p:nvSpPr>
+            <p:cNvPr id="195" name="Arc 194">
+              <a:extLst>
+                <a:ext uri="{FF2B5EF4-FFF2-40B4-BE49-F238E27FC236}">
+                  <a16:creationId xmlns:a16="http://schemas.microsoft.com/office/drawing/2014/main" id="{91259700-03D0-8340-B75D-89AB4990C085}"/>
+                </a:ext>
+              </a:extLst>
+            </p:cNvPr>
+            <p:cNvSpPr/>
+            <p:nvPr/>
+          </p:nvSpPr>
+          <p:spPr>
+            <a:xfrm rot="16200000">
+              <a:off x="961111" y="3023761"/>
+              <a:ext cx="659551" cy="659551"/>
+            </a:xfrm>
+            <a:prstGeom prst="arc">
+              <a:avLst/>
+            </a:prstGeom>
+            <a:ln w="28575">
+              <a:solidFill>
+                <a:schemeClr val="tx1"/>
+              </a:solidFill>
+              <a:headEnd type="none" w="med" len="med"/>
+              <a:tailEnd type="none" w="med" len="med"/>
+            </a:ln>
+          </p:spPr>
+          <p:style>
+            <a:lnRef idx="1">
+              <a:schemeClr val="accent1"/>
+            </a:lnRef>
+            <a:fillRef idx="0">
+              <a:schemeClr val="accent1"/>
+            </a:fillRef>
+            <a:effectRef idx="0">
+              <a:schemeClr val="accent1"/>
+            </a:effectRef>
+            <a:fontRef idx="minor">
+              <a:schemeClr val="tx1"/>
+            </a:fontRef>
+          </p:style>
+          <p:txBody>
+            <a:bodyPr rtlCol="0" anchor="ctr"/>
+            <a:lstStyle/>
+            <a:p>
+              <a:pPr algn="ctr"/>
+              <a:endParaRPr lang="en-US"/>
+            </a:p>
+          </p:txBody>
+        </p:sp>
+      </p:grpSp>
+      <p:cxnSp>
+        <p:nvCxnSpPr>
+          <p:cNvPr id="196" name="Straight Connector 195">
+            <a:extLst>
+              <a:ext uri="{FF2B5EF4-FFF2-40B4-BE49-F238E27FC236}">
+                <a16:creationId xmlns:a16="http://schemas.microsoft.com/office/drawing/2014/main" id="{47F06C19-884C-D045-A0C8-D0D4B7FC1BC8}"/>
+              </a:ext>
+            </a:extLst>
+          </p:cNvPr>
+          <p:cNvCxnSpPr>
+            <a:cxnSpLocks/>
+          </p:cNvCxnSpPr>
+          <p:nvPr/>
+        </p:nvCxnSpPr>
+        <p:spPr>
+          <a:xfrm>
+            <a:off x="4009956" y="3049496"/>
+            <a:ext cx="2613643" cy="2966"/>
+          </a:xfrm>
+          <a:prstGeom prst="line">
+            <a:avLst/>
+          </a:prstGeom>
+          <a:ln w="28575">
+            <a:solidFill>
+              <a:schemeClr val="tx1"/>
+            </a:solidFill>
+          </a:ln>
+        </p:spPr>
+        <p:style>
+          <a:lnRef idx="1">
+            <a:schemeClr val="accent1"/>
+          </a:lnRef>
+          <a:fillRef idx="0">
+            <a:schemeClr val="accent1"/>
+          </a:fillRef>
+          <a:effectRef idx="0">
+            <a:schemeClr val="accent1"/>
+          </a:effectRef>
+          <a:fontRef idx="minor">
+            <a:schemeClr val="tx1"/>
+          </a:fontRef>
+        </p:style>
+      </p:cxnSp>
+      <p:sp>
+        <p:nvSpPr>
+          <p:cNvPr id="197" name="TextBox 196">
+            <a:extLst>
+              <a:ext uri="{FF2B5EF4-FFF2-40B4-BE49-F238E27FC236}">
+                <a16:creationId xmlns:a16="http://schemas.microsoft.com/office/drawing/2014/main" id="{E351D968-EA78-2749-B6CA-4AFE6FA4211C}"/>
+              </a:ext>
+            </a:extLst>
+          </p:cNvPr>
+          <p:cNvSpPr txBox="1"/>
+          <p:nvPr/>
+        </p:nvSpPr>
+        <p:spPr>
+          <a:xfrm>
+            <a:off x="5164785" y="991916"/>
+            <a:ext cx="276038" cy="307777"/>
+          </a:xfrm>
+          <a:prstGeom prst="rect">
+            <a:avLst/>
+          </a:prstGeom>
+          <a:noFill/>
+        </p:spPr>
+        <p:txBody>
+          <a:bodyPr wrap="none" rtlCol="0">
+            <a:spAutoFit/>
+          </a:bodyPr>
+          <a:lstStyle/>
+          <a:p>
+            <a:r>
+              <a:rPr lang="en-US" sz="1400" dirty="0"/>
+              <a:t>2</a:t>
+            </a:r>
+          </a:p>
+        </p:txBody>
+      </p:sp>
+      <p:sp>
+        <p:nvSpPr>
+          <p:cNvPr id="198" name="TextBox 197">
+            <a:extLst>
+              <a:ext uri="{FF2B5EF4-FFF2-40B4-BE49-F238E27FC236}">
+                <a16:creationId xmlns:a16="http://schemas.microsoft.com/office/drawing/2014/main" id="{964BD0FC-7216-B046-A6E5-BC52C9665D28}"/>
+              </a:ext>
+            </a:extLst>
+          </p:cNvPr>
+          <p:cNvSpPr txBox="1"/>
+          <p:nvPr/>
+        </p:nvSpPr>
+        <p:spPr>
+          <a:xfrm>
+            <a:off x="5655870" y="1569976"/>
+            <a:ext cx="367408" cy="307777"/>
+          </a:xfrm>
+          <a:prstGeom prst="rect">
+            <a:avLst/>
+          </a:prstGeom>
+          <a:noFill/>
+        </p:spPr>
+        <p:txBody>
+          <a:bodyPr wrap="none" rtlCol="0">
+            <a:spAutoFit/>
+          </a:bodyPr>
+          <a:lstStyle/>
+          <a:p>
+            <a:r>
+              <a:rPr lang="en-US" sz="1400" dirty="0"/>
+              <a:t>26</a:t>
+            </a:r>
+          </a:p>
+        </p:txBody>
+      </p:sp>
+      <p:sp>
+        <p:nvSpPr>
+          <p:cNvPr id="199" name="TextBox 198">
+            <a:extLst>
+              <a:ext uri="{FF2B5EF4-FFF2-40B4-BE49-F238E27FC236}">
+                <a16:creationId xmlns:a16="http://schemas.microsoft.com/office/drawing/2014/main" id="{7CB2EEE2-3ADB-8D43-A8F9-F71DD5201599}"/>
+              </a:ext>
+            </a:extLst>
+          </p:cNvPr>
+          <p:cNvSpPr txBox="1"/>
+          <p:nvPr/>
+        </p:nvSpPr>
+        <p:spPr>
+          <a:xfrm>
+            <a:off x="5666562" y="2143248"/>
+            <a:ext cx="367408" cy="307777"/>
+          </a:xfrm>
+          <a:prstGeom prst="rect">
+            <a:avLst/>
+          </a:prstGeom>
+          <a:noFill/>
+        </p:spPr>
+        <p:txBody>
+          <a:bodyPr wrap="none" rtlCol="0">
+            <a:spAutoFit/>
+          </a:bodyPr>
+          <a:lstStyle/>
+          <a:p>
+            <a:r>
+              <a:rPr lang="en-US" sz="1400" dirty="0"/>
+              <a:t>65</a:t>
+            </a:r>
+          </a:p>
+        </p:txBody>
+      </p:sp>
+      <p:sp>
+        <p:nvSpPr>
+          <p:cNvPr id="200" name="TextBox 199">
+            <a:extLst>
+              <a:ext uri="{FF2B5EF4-FFF2-40B4-BE49-F238E27FC236}">
+                <a16:creationId xmlns:a16="http://schemas.microsoft.com/office/drawing/2014/main" id="{B1B74626-1746-F44C-8443-304CB732FF47}"/>
+              </a:ext>
+            </a:extLst>
+          </p:cNvPr>
+          <p:cNvSpPr txBox="1"/>
+          <p:nvPr/>
+        </p:nvSpPr>
+        <p:spPr>
+          <a:xfrm>
+            <a:off x="6210831" y="1561239"/>
+            <a:ext cx="367408" cy="307777"/>
+          </a:xfrm>
+          <a:prstGeom prst="rect">
+            <a:avLst/>
+          </a:prstGeom>
+          <a:noFill/>
+        </p:spPr>
+        <p:txBody>
+          <a:bodyPr wrap="none" rtlCol="0">
+            <a:spAutoFit/>
+          </a:bodyPr>
+          <a:lstStyle/>
+          <a:p>
+            <a:r>
+              <a:rPr lang="en-US" sz="1400" dirty="0"/>
+              <a:t>10</a:t>
+            </a:r>
+          </a:p>
+        </p:txBody>
+      </p:sp>
+      <p:sp>
+        <p:nvSpPr>
+          <p:cNvPr id="201" name="TextBox 200">
+            <a:extLst>
+              <a:ext uri="{FF2B5EF4-FFF2-40B4-BE49-F238E27FC236}">
+                <a16:creationId xmlns:a16="http://schemas.microsoft.com/office/drawing/2014/main" id="{E035A820-7B2C-EF40-AC0D-34B645142546}"/>
+              </a:ext>
+            </a:extLst>
+          </p:cNvPr>
+          <p:cNvSpPr txBox="1"/>
+          <p:nvPr/>
+        </p:nvSpPr>
+        <p:spPr>
+          <a:xfrm>
+            <a:off x="6212382" y="2147654"/>
+            <a:ext cx="367408" cy="307777"/>
+          </a:xfrm>
+          <a:prstGeom prst="rect">
+            <a:avLst/>
+          </a:prstGeom>
+          <a:noFill/>
+        </p:spPr>
+        <p:txBody>
+          <a:bodyPr wrap="none" rtlCol="0">
+            <a:spAutoFit/>
+          </a:bodyPr>
+          <a:lstStyle/>
+          <a:p>
+            <a:r>
+              <a:rPr lang="en-US" sz="1400" dirty="0"/>
+              <a:t>37</a:t>
+            </a:r>
+          </a:p>
+        </p:txBody>
+      </p:sp>
+      <p:sp>
+        <p:nvSpPr>
+          <p:cNvPr id="202" name="TextBox 201">
+            <a:extLst>
+              <a:ext uri="{FF2B5EF4-FFF2-40B4-BE49-F238E27FC236}">
+                <a16:creationId xmlns:a16="http://schemas.microsoft.com/office/drawing/2014/main" id="{0C9F7153-BAD5-9E44-843E-3CF0B8CCC7D4}"/>
+              </a:ext>
+            </a:extLst>
+          </p:cNvPr>
+          <p:cNvSpPr txBox="1"/>
+          <p:nvPr/>
+        </p:nvSpPr>
+        <p:spPr>
+          <a:xfrm>
+            <a:off x="6791540" y="998510"/>
+            <a:ext cx="276038" cy="307777"/>
+          </a:xfrm>
+          <a:prstGeom prst="rect">
+            <a:avLst/>
+          </a:prstGeom>
+          <a:noFill/>
+        </p:spPr>
+        <p:txBody>
+          <a:bodyPr wrap="none" rtlCol="0">
+            <a:spAutoFit/>
+          </a:bodyPr>
+          <a:lstStyle/>
+          <a:p>
+            <a:r>
+              <a:rPr lang="en-US" sz="1400" dirty="0"/>
+              <a:t>3</a:t>
+            </a:r>
+          </a:p>
+        </p:txBody>
+      </p:sp>
+      <p:sp>
+        <p:nvSpPr>
+          <p:cNvPr id="203" name="TextBox 202">
+            <a:extLst>
+              <a:ext uri="{FF2B5EF4-FFF2-40B4-BE49-F238E27FC236}">
+                <a16:creationId xmlns:a16="http://schemas.microsoft.com/office/drawing/2014/main" id="{9DFFD536-4686-7B46-894D-29DC04A49E87}"/>
+              </a:ext>
+            </a:extLst>
+          </p:cNvPr>
+          <p:cNvSpPr txBox="1"/>
+          <p:nvPr/>
+        </p:nvSpPr>
+        <p:spPr>
+          <a:xfrm>
+            <a:off x="6249743" y="998509"/>
+            <a:ext cx="276038" cy="307777"/>
+          </a:xfrm>
+          <a:prstGeom prst="rect">
+            <a:avLst/>
+          </a:prstGeom>
+          <a:noFill/>
+        </p:spPr>
+        <p:txBody>
+          <a:bodyPr wrap="none" rtlCol="0">
+            <a:spAutoFit/>
+          </a:bodyPr>
+          <a:lstStyle/>
+          <a:p>
+            <a:r>
+              <a:rPr lang="en-US" sz="1400" dirty="0"/>
+              <a:t>6</a:t>
+            </a:r>
+          </a:p>
+        </p:txBody>
+      </p:sp>
+      <p:sp>
+        <p:nvSpPr>
+          <p:cNvPr id="204" name="TextBox 203">
+            <a:extLst>
+              <a:ext uri="{FF2B5EF4-FFF2-40B4-BE49-F238E27FC236}">
+                <a16:creationId xmlns:a16="http://schemas.microsoft.com/office/drawing/2014/main" id="{8A247C41-101D-9549-A5B5-DE5A380853C2}"/>
+              </a:ext>
+            </a:extLst>
+          </p:cNvPr>
+          <p:cNvSpPr txBox="1"/>
+          <p:nvPr/>
+        </p:nvSpPr>
+        <p:spPr>
+          <a:xfrm>
+            <a:off x="6813513" y="2139100"/>
+            <a:ext cx="276038" cy="307777"/>
+          </a:xfrm>
+          <a:prstGeom prst="rect">
+            <a:avLst/>
+          </a:prstGeom>
+          <a:noFill/>
+        </p:spPr>
+        <p:txBody>
+          <a:bodyPr wrap="none" rtlCol="0">
+            <a:spAutoFit/>
+          </a:bodyPr>
+          <a:lstStyle/>
+          <a:p>
+            <a:r>
+              <a:rPr lang="en-US" sz="1400" dirty="0"/>
+              <a:t>1</a:t>
+            </a:r>
+          </a:p>
+        </p:txBody>
+      </p:sp>
+      <p:sp>
+        <p:nvSpPr>
+          <p:cNvPr id="205" name="TextBox 204">
+            <a:extLst>
+              <a:ext uri="{FF2B5EF4-FFF2-40B4-BE49-F238E27FC236}">
+                <a16:creationId xmlns:a16="http://schemas.microsoft.com/office/drawing/2014/main" id="{2730A65C-1AF2-9E46-943D-3F0F5D500DD3}"/>
+              </a:ext>
+            </a:extLst>
+          </p:cNvPr>
+          <p:cNvSpPr txBox="1"/>
+          <p:nvPr/>
+        </p:nvSpPr>
+        <p:spPr>
+          <a:xfrm>
+            <a:off x="5712247" y="998422"/>
+            <a:ext cx="276038" cy="307777"/>
+          </a:xfrm>
+          <a:prstGeom prst="rect">
+            <a:avLst/>
+          </a:prstGeom>
+          <a:noFill/>
+        </p:spPr>
+        <p:txBody>
+          <a:bodyPr wrap="none" rtlCol="0">
+            <a:spAutoFit/>
+          </a:bodyPr>
+          <a:lstStyle/>
+          <a:p>
+            <a:r>
+              <a:rPr lang="en-US" sz="1400" dirty="0"/>
+              <a:t>1</a:t>
+            </a:r>
+          </a:p>
+        </p:txBody>
+      </p:sp>
+    </p:spTree>
+    <p:extLst>
+      <p:ext uri="{BB962C8B-B14F-4D97-AF65-F5344CB8AC3E}">
+        <p14:creationId xmlns:p14="http://schemas.microsoft.com/office/powerpoint/2010/main" val="390239177"/>
+      </p:ext>
+    </p:extLst>
+  </p:cSld>
+  <p:clrMapOvr>
+    <a:masterClrMapping/>
+  </p:clrMapOvr>
+</p:sld>
+</file>
+
+<file path=ppt/slides/slide3.xml><?xml version="1.0" encoding="utf-8"?>
 <p:sld xmlns:a="http://schemas.openxmlformats.org/drawingml/2006/main" xmlns:r="http://schemas.openxmlformats.org/officeDocument/2006/relationships" xmlns:p="http://schemas.openxmlformats.org/presentationml/2006/main">
   <p:cSld>
     <p:spTree>
@@ -14102,7 +18498,7 @@
 </p:sld>
 </file>
 
-<file path=ppt/slides/slide3.xml><?xml version="1.0" encoding="utf-8"?>
+<file path=ppt/slides/slide4.xml><?xml version="1.0" encoding="utf-8"?>
 <p:sld xmlns:a="http://schemas.openxmlformats.org/drawingml/2006/main" xmlns:r="http://schemas.openxmlformats.org/officeDocument/2006/relationships" xmlns:p="http://schemas.openxmlformats.org/presentationml/2006/main">
   <p:cSld>
     <p:spTree>
